--- a/folien/Semester_03_Termin_07_Kapitel06.pptx
+++ b/folien/Semester_03_Termin_07_Kapitel06.pptx
@@ -207,6 +207,36 @@
       </a:defRPr>
     </a:lvl9pPr>
   </p:defaultTextStyle>
+  <p:extLst>
+    <p:ext uri="{EFAFB233-063F-42B5-8137-9DF3F51BA10A}">
+      <p15:sldGuideLst xmlns:p15="http://schemas.microsoft.com/office/powerpoint/2012/main">
+        <p15:guide id="1" orient="horz" pos="2160">
+          <p15:clr>
+            <a:srgbClr val="A4A3A4"/>
+          </p15:clr>
+        </p15:guide>
+        <p15:guide id="2" pos="2880">
+          <p15:clr>
+            <a:srgbClr val="A4A3A4"/>
+          </p15:clr>
+        </p15:guide>
+      </p15:sldGuideLst>
+    </p:ext>
+    <p:ext uri="{2D200454-40CA-4A62-9FC3-DE9A4176ACB9}">
+      <p15:notesGuideLst xmlns:p15="http://schemas.microsoft.com/office/powerpoint/2012/main">
+        <p15:guide id="1" orient="horz" pos="2880">
+          <p15:clr>
+            <a:srgbClr val="A4A3A4"/>
+          </p15:clr>
+        </p15:guide>
+        <p15:guide id="2" pos="2160">
+          <p15:clr>
+            <a:srgbClr val="A4A3A4"/>
+          </p15:clr>
+        </p15:guide>
+      </p15:notesGuideLst>
+    </p:ext>
+  </p:extLst>
 </p:presentation>
 </file>
 
@@ -239,7 +269,7 @@
         <p:nvSpPr>
           <p:cNvPr id="33794" name="Rectangle 1"/>
           <p:cNvSpPr>
-            <a:spLocks noGrp="1" noChangeArrowheads="1"/>
+            <a:spLocks noGrp="1" noRot="1" noChangeAspect="1" noChangeArrowheads="1"/>
           </p:cNvSpPr>
           <p:nvPr>
             <p:ph type="sldImg"/>
@@ -550,6 +580,11 @@
         </p:txBody>
       </p:sp>
     </p:spTree>
+    <p:extLst>
+      <p:ext uri="{BB962C8B-B14F-4D97-AF65-F5344CB8AC3E}">
+        <p14:creationId xmlns:p14="http://schemas.microsoft.com/office/powerpoint/2010/main" val="2679869077"/>
+      </p:ext>
+    </p:extLst>
   </p:cSld>
   <p:clrMap bg1="lt1" tx1="dk1" bg2="lt2" tx2="dk2" accent1="accent1" accent2="accent2" accent3="accent3" accent4="accent4" accent5="accent5" accent6="accent6" hlink="hlink" folHlink="folHlink"/>
   <p:notesStyle>
@@ -757,7 +792,7 @@
         <p:nvSpPr>
           <p:cNvPr id="34819" name="Rectangle 1"/>
           <p:cNvSpPr txBox="1">
-            <a:spLocks noChangeArrowheads="1" noTextEdit="1"/>
+            <a:spLocks noGrp="1" noRot="1" noChangeAspect="1" noChangeArrowheads="1" noTextEdit="1"/>
           </p:cNvSpPr>
           <p:nvPr>
             <p:ph type="sldImg"/>
@@ -783,7 +818,7 @@
         <p:nvSpPr>
           <p:cNvPr id="34820" name="Rectangle 2"/>
           <p:cNvSpPr txBox="1">
-            <a:spLocks noChangeArrowheads="1"/>
+            <a:spLocks noGrp="1" noChangeArrowheads="1"/>
           </p:cNvSpPr>
           <p:nvPr>
             <p:ph type="body" idx="1"/>
@@ -806,6 +841,11 @@
         </p:txBody>
       </p:sp>
     </p:spTree>
+    <p:extLst>
+      <p:ext uri="{BB962C8B-B14F-4D97-AF65-F5344CB8AC3E}">
+        <p14:creationId xmlns:p14="http://schemas.microsoft.com/office/powerpoint/2010/main" val="1184811386"/>
+      </p:ext>
+    </p:extLst>
   </p:cSld>
   <p:clrMapOvr>
     <a:masterClrMapping/>
@@ -868,7 +908,7 @@
         <p:nvSpPr>
           <p:cNvPr id="44035" name="Rectangle 1"/>
           <p:cNvSpPr txBox="1">
-            <a:spLocks noChangeArrowheads="1" noTextEdit="1"/>
+            <a:spLocks noGrp="1" noRot="1" noChangeAspect="1" noChangeArrowheads="1" noTextEdit="1"/>
           </p:cNvSpPr>
           <p:nvPr>
             <p:ph type="sldImg"/>
@@ -894,7 +934,7 @@
         <p:nvSpPr>
           <p:cNvPr id="44036" name="Rectangle 2"/>
           <p:cNvSpPr txBox="1">
-            <a:spLocks noChangeArrowheads="1"/>
+            <a:spLocks noGrp="1" noChangeArrowheads="1"/>
           </p:cNvSpPr>
           <p:nvPr>
             <p:ph type="body" idx="1"/>
@@ -917,6 +957,11 @@
         </p:txBody>
       </p:sp>
     </p:spTree>
+    <p:extLst>
+      <p:ext uri="{BB962C8B-B14F-4D97-AF65-F5344CB8AC3E}">
+        <p14:creationId xmlns:p14="http://schemas.microsoft.com/office/powerpoint/2010/main" val="4112265238"/>
+      </p:ext>
+    </p:extLst>
   </p:cSld>
   <p:clrMapOvr>
     <a:masterClrMapping/>
@@ -979,7 +1024,7 @@
         <p:nvSpPr>
           <p:cNvPr id="45059" name="Rectangle 1"/>
           <p:cNvSpPr txBox="1">
-            <a:spLocks noChangeArrowheads="1" noTextEdit="1"/>
+            <a:spLocks noGrp="1" noRot="1" noChangeAspect="1" noChangeArrowheads="1" noTextEdit="1"/>
           </p:cNvSpPr>
           <p:nvPr>
             <p:ph type="sldImg"/>
@@ -1005,7 +1050,7 @@
         <p:nvSpPr>
           <p:cNvPr id="45060" name="Rectangle 2"/>
           <p:cNvSpPr txBox="1">
-            <a:spLocks noChangeArrowheads="1"/>
+            <a:spLocks noGrp="1" noChangeArrowheads="1"/>
           </p:cNvSpPr>
           <p:nvPr>
             <p:ph type="body" idx="1"/>
@@ -1028,6 +1073,11 @@
         </p:txBody>
       </p:sp>
     </p:spTree>
+    <p:extLst>
+      <p:ext uri="{BB962C8B-B14F-4D97-AF65-F5344CB8AC3E}">
+        <p14:creationId xmlns:p14="http://schemas.microsoft.com/office/powerpoint/2010/main" val="1838956922"/>
+      </p:ext>
+    </p:extLst>
   </p:cSld>
   <p:clrMapOvr>
     <a:masterClrMapping/>
@@ -1090,7 +1140,7 @@
         <p:nvSpPr>
           <p:cNvPr id="46083" name="Rectangle 1"/>
           <p:cNvSpPr txBox="1">
-            <a:spLocks noChangeArrowheads="1" noTextEdit="1"/>
+            <a:spLocks noGrp="1" noRot="1" noChangeAspect="1" noChangeArrowheads="1" noTextEdit="1"/>
           </p:cNvSpPr>
           <p:nvPr>
             <p:ph type="sldImg"/>
@@ -1116,7 +1166,7 @@
         <p:nvSpPr>
           <p:cNvPr id="46084" name="Rectangle 2"/>
           <p:cNvSpPr txBox="1">
-            <a:spLocks noChangeArrowheads="1"/>
+            <a:spLocks noGrp="1" noChangeArrowheads="1"/>
           </p:cNvSpPr>
           <p:nvPr>
             <p:ph type="body" idx="1"/>
@@ -1139,6 +1189,11 @@
         </p:txBody>
       </p:sp>
     </p:spTree>
+    <p:extLst>
+      <p:ext uri="{BB962C8B-B14F-4D97-AF65-F5344CB8AC3E}">
+        <p14:creationId xmlns:p14="http://schemas.microsoft.com/office/powerpoint/2010/main" val="3052089838"/>
+      </p:ext>
+    </p:extLst>
   </p:cSld>
   <p:clrMapOvr>
     <a:masterClrMapping/>
@@ -1201,7 +1256,7 @@
         <p:nvSpPr>
           <p:cNvPr id="47107" name="Rectangle 1"/>
           <p:cNvSpPr txBox="1">
-            <a:spLocks noChangeArrowheads="1" noTextEdit="1"/>
+            <a:spLocks noGrp="1" noRot="1" noChangeAspect="1" noChangeArrowheads="1" noTextEdit="1"/>
           </p:cNvSpPr>
           <p:nvPr>
             <p:ph type="sldImg"/>
@@ -1227,7 +1282,7 @@
         <p:nvSpPr>
           <p:cNvPr id="47108" name="Rectangle 2"/>
           <p:cNvSpPr txBox="1">
-            <a:spLocks noChangeArrowheads="1"/>
+            <a:spLocks noGrp="1" noChangeArrowheads="1"/>
           </p:cNvSpPr>
           <p:nvPr>
             <p:ph type="body" idx="1"/>
@@ -1250,6 +1305,11 @@
         </p:txBody>
       </p:sp>
     </p:spTree>
+    <p:extLst>
+      <p:ext uri="{BB962C8B-B14F-4D97-AF65-F5344CB8AC3E}">
+        <p14:creationId xmlns:p14="http://schemas.microsoft.com/office/powerpoint/2010/main" val="1864467121"/>
+      </p:ext>
+    </p:extLst>
   </p:cSld>
   <p:clrMapOvr>
     <a:masterClrMapping/>
@@ -1312,7 +1372,7 @@
         <p:nvSpPr>
           <p:cNvPr id="48131" name="Rectangle 1"/>
           <p:cNvSpPr txBox="1">
-            <a:spLocks noChangeArrowheads="1" noTextEdit="1"/>
+            <a:spLocks noGrp="1" noRot="1" noChangeAspect="1" noChangeArrowheads="1" noTextEdit="1"/>
           </p:cNvSpPr>
           <p:nvPr>
             <p:ph type="sldImg"/>
@@ -1338,7 +1398,7 @@
         <p:nvSpPr>
           <p:cNvPr id="48132" name="Rectangle 2"/>
           <p:cNvSpPr txBox="1">
-            <a:spLocks noChangeArrowheads="1"/>
+            <a:spLocks noGrp="1" noChangeArrowheads="1"/>
           </p:cNvSpPr>
           <p:nvPr>
             <p:ph type="body" idx="1"/>
@@ -1361,6 +1421,11 @@
         </p:txBody>
       </p:sp>
     </p:spTree>
+    <p:extLst>
+      <p:ext uri="{BB962C8B-B14F-4D97-AF65-F5344CB8AC3E}">
+        <p14:creationId xmlns:p14="http://schemas.microsoft.com/office/powerpoint/2010/main" val="2026216717"/>
+      </p:ext>
+    </p:extLst>
   </p:cSld>
   <p:clrMapOvr>
     <a:masterClrMapping/>
@@ -1423,7 +1488,7 @@
         <p:nvSpPr>
           <p:cNvPr id="49155" name="Rectangle 1"/>
           <p:cNvSpPr txBox="1">
-            <a:spLocks noChangeArrowheads="1" noTextEdit="1"/>
+            <a:spLocks noGrp="1" noRot="1" noChangeAspect="1" noChangeArrowheads="1" noTextEdit="1"/>
           </p:cNvSpPr>
           <p:nvPr>
             <p:ph type="sldImg"/>
@@ -1449,7 +1514,7 @@
         <p:nvSpPr>
           <p:cNvPr id="49156" name="Rectangle 2"/>
           <p:cNvSpPr txBox="1">
-            <a:spLocks noChangeArrowheads="1"/>
+            <a:spLocks noGrp="1" noChangeArrowheads="1"/>
           </p:cNvSpPr>
           <p:nvPr>
             <p:ph type="body" idx="1"/>
@@ -1472,6 +1537,11 @@
         </p:txBody>
       </p:sp>
     </p:spTree>
+    <p:extLst>
+      <p:ext uri="{BB962C8B-B14F-4D97-AF65-F5344CB8AC3E}">
+        <p14:creationId xmlns:p14="http://schemas.microsoft.com/office/powerpoint/2010/main" val="3242079448"/>
+      </p:ext>
+    </p:extLst>
   </p:cSld>
   <p:clrMapOvr>
     <a:masterClrMapping/>
@@ -1534,7 +1604,7 @@
         <p:nvSpPr>
           <p:cNvPr id="50179" name="Rectangle 1"/>
           <p:cNvSpPr txBox="1">
-            <a:spLocks noChangeArrowheads="1" noTextEdit="1"/>
+            <a:spLocks noGrp="1" noRot="1" noChangeAspect="1" noChangeArrowheads="1" noTextEdit="1"/>
           </p:cNvSpPr>
           <p:nvPr>
             <p:ph type="sldImg"/>
@@ -1560,7 +1630,7 @@
         <p:nvSpPr>
           <p:cNvPr id="50180" name="Rectangle 2"/>
           <p:cNvSpPr txBox="1">
-            <a:spLocks noChangeArrowheads="1"/>
+            <a:spLocks noGrp="1" noChangeArrowheads="1"/>
           </p:cNvSpPr>
           <p:nvPr>
             <p:ph type="body" idx="1"/>
@@ -1583,6 +1653,11 @@
         </p:txBody>
       </p:sp>
     </p:spTree>
+    <p:extLst>
+      <p:ext uri="{BB962C8B-B14F-4D97-AF65-F5344CB8AC3E}">
+        <p14:creationId xmlns:p14="http://schemas.microsoft.com/office/powerpoint/2010/main" val="1652189911"/>
+      </p:ext>
+    </p:extLst>
   </p:cSld>
   <p:clrMapOvr>
     <a:masterClrMapping/>
@@ -1645,7 +1720,7 @@
         <p:nvSpPr>
           <p:cNvPr id="51203" name="Rectangle 1"/>
           <p:cNvSpPr txBox="1">
-            <a:spLocks noChangeArrowheads="1" noTextEdit="1"/>
+            <a:spLocks noGrp="1" noRot="1" noChangeAspect="1" noChangeArrowheads="1" noTextEdit="1"/>
           </p:cNvSpPr>
           <p:nvPr>
             <p:ph type="sldImg"/>
@@ -1671,7 +1746,7 @@
         <p:nvSpPr>
           <p:cNvPr id="51204" name="Rectangle 2"/>
           <p:cNvSpPr txBox="1">
-            <a:spLocks noChangeArrowheads="1"/>
+            <a:spLocks noGrp="1" noChangeArrowheads="1"/>
           </p:cNvSpPr>
           <p:nvPr>
             <p:ph type="body" idx="1"/>
@@ -1694,6 +1769,11 @@
         </p:txBody>
       </p:sp>
     </p:spTree>
+    <p:extLst>
+      <p:ext uri="{BB962C8B-B14F-4D97-AF65-F5344CB8AC3E}">
+        <p14:creationId xmlns:p14="http://schemas.microsoft.com/office/powerpoint/2010/main" val="3692910596"/>
+      </p:ext>
+    </p:extLst>
   </p:cSld>
   <p:clrMapOvr>
     <a:masterClrMapping/>
@@ -1756,7 +1836,7 @@
         <p:nvSpPr>
           <p:cNvPr id="52227" name="Rectangle 1"/>
           <p:cNvSpPr txBox="1">
-            <a:spLocks noChangeArrowheads="1" noTextEdit="1"/>
+            <a:spLocks noGrp="1" noRot="1" noChangeAspect="1" noChangeArrowheads="1" noTextEdit="1"/>
           </p:cNvSpPr>
           <p:nvPr>
             <p:ph type="sldImg"/>
@@ -1782,7 +1862,7 @@
         <p:nvSpPr>
           <p:cNvPr id="52228" name="Rectangle 2"/>
           <p:cNvSpPr txBox="1">
-            <a:spLocks noChangeArrowheads="1"/>
+            <a:spLocks noGrp="1" noChangeArrowheads="1"/>
           </p:cNvSpPr>
           <p:nvPr>
             <p:ph type="body" idx="1"/>
@@ -1805,6 +1885,11 @@
         </p:txBody>
       </p:sp>
     </p:spTree>
+    <p:extLst>
+      <p:ext uri="{BB962C8B-B14F-4D97-AF65-F5344CB8AC3E}">
+        <p14:creationId xmlns:p14="http://schemas.microsoft.com/office/powerpoint/2010/main" val="243126530"/>
+      </p:ext>
+    </p:extLst>
   </p:cSld>
   <p:clrMapOvr>
     <a:masterClrMapping/>
@@ -1867,7 +1952,7 @@
         <p:nvSpPr>
           <p:cNvPr id="53251" name="Rectangle 1"/>
           <p:cNvSpPr txBox="1">
-            <a:spLocks noChangeArrowheads="1" noTextEdit="1"/>
+            <a:spLocks noGrp="1" noRot="1" noChangeAspect="1" noChangeArrowheads="1" noTextEdit="1"/>
           </p:cNvSpPr>
           <p:nvPr>
             <p:ph type="sldImg"/>
@@ -1893,7 +1978,7 @@
         <p:nvSpPr>
           <p:cNvPr id="53252" name="Rectangle 2"/>
           <p:cNvSpPr txBox="1">
-            <a:spLocks noChangeArrowheads="1"/>
+            <a:spLocks noGrp="1" noChangeArrowheads="1"/>
           </p:cNvSpPr>
           <p:nvPr>
             <p:ph type="body" idx="1"/>
@@ -1916,6 +2001,11 @@
         </p:txBody>
       </p:sp>
     </p:spTree>
+    <p:extLst>
+      <p:ext uri="{BB962C8B-B14F-4D97-AF65-F5344CB8AC3E}">
+        <p14:creationId xmlns:p14="http://schemas.microsoft.com/office/powerpoint/2010/main" val="1233209275"/>
+      </p:ext>
+    </p:extLst>
   </p:cSld>
   <p:clrMapOvr>
     <a:masterClrMapping/>
@@ -1978,7 +2068,7 @@
         <p:nvSpPr>
           <p:cNvPr id="35843" name="Rectangle 1"/>
           <p:cNvSpPr txBox="1">
-            <a:spLocks noChangeArrowheads="1" noTextEdit="1"/>
+            <a:spLocks noGrp="1" noRot="1" noChangeAspect="1" noChangeArrowheads="1" noTextEdit="1"/>
           </p:cNvSpPr>
           <p:nvPr>
             <p:ph type="sldImg"/>
@@ -2004,7 +2094,7 @@
         <p:nvSpPr>
           <p:cNvPr id="35844" name="Rectangle 2"/>
           <p:cNvSpPr txBox="1">
-            <a:spLocks noChangeArrowheads="1"/>
+            <a:spLocks noGrp="1" noChangeArrowheads="1"/>
           </p:cNvSpPr>
           <p:nvPr>
             <p:ph type="body" idx="1"/>
@@ -2027,6 +2117,11 @@
         </p:txBody>
       </p:sp>
     </p:spTree>
+    <p:extLst>
+      <p:ext uri="{BB962C8B-B14F-4D97-AF65-F5344CB8AC3E}">
+        <p14:creationId xmlns:p14="http://schemas.microsoft.com/office/powerpoint/2010/main" val="2117573468"/>
+      </p:ext>
+    </p:extLst>
   </p:cSld>
   <p:clrMapOvr>
     <a:masterClrMapping/>
@@ -2089,7 +2184,7 @@
         <p:nvSpPr>
           <p:cNvPr id="54275" name="Rectangle 1"/>
           <p:cNvSpPr txBox="1">
-            <a:spLocks noChangeArrowheads="1" noTextEdit="1"/>
+            <a:spLocks noGrp="1" noRot="1" noChangeAspect="1" noChangeArrowheads="1" noTextEdit="1"/>
           </p:cNvSpPr>
           <p:nvPr>
             <p:ph type="sldImg"/>
@@ -2115,7 +2210,7 @@
         <p:nvSpPr>
           <p:cNvPr id="54276" name="Rectangle 2"/>
           <p:cNvSpPr txBox="1">
-            <a:spLocks noChangeArrowheads="1"/>
+            <a:spLocks noGrp="1" noChangeArrowheads="1"/>
           </p:cNvSpPr>
           <p:nvPr>
             <p:ph type="body" idx="1"/>
@@ -2138,6 +2233,11 @@
         </p:txBody>
       </p:sp>
     </p:spTree>
+    <p:extLst>
+      <p:ext uri="{BB962C8B-B14F-4D97-AF65-F5344CB8AC3E}">
+        <p14:creationId xmlns:p14="http://schemas.microsoft.com/office/powerpoint/2010/main" val="1659479035"/>
+      </p:ext>
+    </p:extLst>
   </p:cSld>
   <p:clrMapOvr>
     <a:masterClrMapping/>
@@ -2200,7 +2300,7 @@
         <p:nvSpPr>
           <p:cNvPr id="55299" name="Rectangle 1"/>
           <p:cNvSpPr txBox="1">
-            <a:spLocks noChangeArrowheads="1" noTextEdit="1"/>
+            <a:spLocks noGrp="1" noRot="1" noChangeAspect="1" noChangeArrowheads="1" noTextEdit="1"/>
           </p:cNvSpPr>
           <p:nvPr>
             <p:ph type="sldImg"/>
@@ -2226,7 +2326,7 @@
         <p:nvSpPr>
           <p:cNvPr id="55300" name="Rectangle 2"/>
           <p:cNvSpPr txBox="1">
-            <a:spLocks noChangeArrowheads="1"/>
+            <a:spLocks noGrp="1" noChangeArrowheads="1"/>
           </p:cNvSpPr>
           <p:nvPr>
             <p:ph type="body" idx="1"/>
@@ -2249,6 +2349,11 @@
         </p:txBody>
       </p:sp>
     </p:spTree>
+    <p:extLst>
+      <p:ext uri="{BB962C8B-B14F-4D97-AF65-F5344CB8AC3E}">
+        <p14:creationId xmlns:p14="http://schemas.microsoft.com/office/powerpoint/2010/main" val="2363686062"/>
+      </p:ext>
+    </p:extLst>
   </p:cSld>
   <p:clrMapOvr>
     <a:masterClrMapping/>
@@ -2311,7 +2416,7 @@
         <p:nvSpPr>
           <p:cNvPr id="56323" name="Rectangle 1"/>
           <p:cNvSpPr txBox="1">
-            <a:spLocks noChangeArrowheads="1" noTextEdit="1"/>
+            <a:spLocks noGrp="1" noRot="1" noChangeAspect="1" noChangeArrowheads="1" noTextEdit="1"/>
           </p:cNvSpPr>
           <p:nvPr>
             <p:ph type="sldImg"/>
@@ -2337,7 +2442,7 @@
         <p:nvSpPr>
           <p:cNvPr id="56324" name="Rectangle 2"/>
           <p:cNvSpPr txBox="1">
-            <a:spLocks noChangeArrowheads="1"/>
+            <a:spLocks noGrp="1" noChangeArrowheads="1"/>
           </p:cNvSpPr>
           <p:nvPr>
             <p:ph type="body" idx="1"/>
@@ -2360,6 +2465,11 @@
         </p:txBody>
       </p:sp>
     </p:spTree>
+    <p:extLst>
+      <p:ext uri="{BB962C8B-B14F-4D97-AF65-F5344CB8AC3E}">
+        <p14:creationId xmlns:p14="http://schemas.microsoft.com/office/powerpoint/2010/main" val="3775277122"/>
+      </p:ext>
+    </p:extLst>
   </p:cSld>
   <p:clrMapOvr>
     <a:masterClrMapping/>
@@ -2422,7 +2532,7 @@
         <p:nvSpPr>
           <p:cNvPr id="57347" name="Rectangle 1"/>
           <p:cNvSpPr txBox="1">
-            <a:spLocks noChangeArrowheads="1" noTextEdit="1"/>
+            <a:spLocks noGrp="1" noRot="1" noChangeAspect="1" noChangeArrowheads="1" noTextEdit="1"/>
           </p:cNvSpPr>
           <p:nvPr>
             <p:ph type="sldImg"/>
@@ -2448,7 +2558,7 @@
         <p:nvSpPr>
           <p:cNvPr id="57348" name="Rectangle 2"/>
           <p:cNvSpPr txBox="1">
-            <a:spLocks noChangeArrowheads="1"/>
+            <a:spLocks noGrp="1" noChangeArrowheads="1"/>
           </p:cNvSpPr>
           <p:nvPr>
             <p:ph type="body" idx="1"/>
@@ -2471,6 +2581,11 @@
         </p:txBody>
       </p:sp>
     </p:spTree>
+    <p:extLst>
+      <p:ext uri="{BB962C8B-B14F-4D97-AF65-F5344CB8AC3E}">
+        <p14:creationId xmlns:p14="http://schemas.microsoft.com/office/powerpoint/2010/main" val="487444190"/>
+      </p:ext>
+    </p:extLst>
   </p:cSld>
   <p:clrMapOvr>
     <a:masterClrMapping/>
@@ -2533,7 +2648,7 @@
         <p:nvSpPr>
           <p:cNvPr id="58371" name="Rectangle 1"/>
           <p:cNvSpPr txBox="1">
-            <a:spLocks noChangeArrowheads="1" noTextEdit="1"/>
+            <a:spLocks noGrp="1" noRot="1" noChangeAspect="1" noChangeArrowheads="1" noTextEdit="1"/>
           </p:cNvSpPr>
           <p:nvPr>
             <p:ph type="sldImg"/>
@@ -2559,7 +2674,7 @@
         <p:nvSpPr>
           <p:cNvPr id="58372" name="Rectangle 2"/>
           <p:cNvSpPr txBox="1">
-            <a:spLocks noChangeArrowheads="1"/>
+            <a:spLocks noGrp="1" noChangeArrowheads="1"/>
           </p:cNvSpPr>
           <p:nvPr>
             <p:ph type="body" idx="1"/>
@@ -2582,6 +2697,11 @@
         </p:txBody>
       </p:sp>
     </p:spTree>
+    <p:extLst>
+      <p:ext uri="{BB962C8B-B14F-4D97-AF65-F5344CB8AC3E}">
+        <p14:creationId xmlns:p14="http://schemas.microsoft.com/office/powerpoint/2010/main" val="3064408142"/>
+      </p:ext>
+    </p:extLst>
   </p:cSld>
   <p:clrMapOvr>
     <a:masterClrMapping/>
@@ -2644,7 +2764,7 @@
         <p:nvSpPr>
           <p:cNvPr id="59395" name="Rectangle 1"/>
           <p:cNvSpPr txBox="1">
-            <a:spLocks noChangeArrowheads="1" noTextEdit="1"/>
+            <a:spLocks noGrp="1" noRot="1" noChangeAspect="1" noChangeArrowheads="1" noTextEdit="1"/>
           </p:cNvSpPr>
           <p:nvPr>
             <p:ph type="sldImg"/>
@@ -2670,7 +2790,7 @@
         <p:nvSpPr>
           <p:cNvPr id="59396" name="Rectangle 2"/>
           <p:cNvSpPr txBox="1">
-            <a:spLocks noChangeArrowheads="1"/>
+            <a:spLocks noGrp="1" noChangeArrowheads="1"/>
           </p:cNvSpPr>
           <p:nvPr>
             <p:ph type="body" idx="1"/>
@@ -2693,6 +2813,11 @@
         </p:txBody>
       </p:sp>
     </p:spTree>
+    <p:extLst>
+      <p:ext uri="{BB962C8B-B14F-4D97-AF65-F5344CB8AC3E}">
+        <p14:creationId xmlns:p14="http://schemas.microsoft.com/office/powerpoint/2010/main" val="2092233294"/>
+      </p:ext>
+    </p:extLst>
   </p:cSld>
   <p:clrMapOvr>
     <a:masterClrMapping/>
@@ -2755,7 +2880,7 @@
         <p:nvSpPr>
           <p:cNvPr id="60419" name="Rectangle 1"/>
           <p:cNvSpPr txBox="1">
-            <a:spLocks noChangeArrowheads="1" noTextEdit="1"/>
+            <a:spLocks noGrp="1" noRot="1" noChangeAspect="1" noChangeArrowheads="1" noTextEdit="1"/>
           </p:cNvSpPr>
           <p:nvPr>
             <p:ph type="sldImg"/>
@@ -2781,7 +2906,7 @@
         <p:nvSpPr>
           <p:cNvPr id="60420" name="Rectangle 2"/>
           <p:cNvSpPr txBox="1">
-            <a:spLocks noChangeArrowheads="1"/>
+            <a:spLocks noGrp="1" noChangeArrowheads="1"/>
           </p:cNvSpPr>
           <p:nvPr>
             <p:ph type="body" idx="1"/>
@@ -2804,6 +2929,11 @@
         </p:txBody>
       </p:sp>
     </p:spTree>
+    <p:extLst>
+      <p:ext uri="{BB962C8B-B14F-4D97-AF65-F5344CB8AC3E}">
+        <p14:creationId xmlns:p14="http://schemas.microsoft.com/office/powerpoint/2010/main" val="3027527447"/>
+      </p:ext>
+    </p:extLst>
   </p:cSld>
   <p:clrMapOvr>
     <a:masterClrMapping/>
@@ -2866,7 +2996,7 @@
         <p:nvSpPr>
           <p:cNvPr id="61443" name="Rectangle 1"/>
           <p:cNvSpPr txBox="1">
-            <a:spLocks noChangeArrowheads="1" noTextEdit="1"/>
+            <a:spLocks noGrp="1" noRot="1" noChangeAspect="1" noChangeArrowheads="1" noTextEdit="1"/>
           </p:cNvSpPr>
           <p:nvPr>
             <p:ph type="sldImg"/>
@@ -2892,7 +3022,7 @@
         <p:nvSpPr>
           <p:cNvPr id="61444" name="Rectangle 2"/>
           <p:cNvSpPr txBox="1">
-            <a:spLocks noChangeArrowheads="1"/>
+            <a:spLocks noGrp="1" noChangeArrowheads="1"/>
           </p:cNvSpPr>
           <p:nvPr>
             <p:ph type="body" idx="1"/>
@@ -2915,6 +3045,11 @@
         </p:txBody>
       </p:sp>
     </p:spTree>
+    <p:extLst>
+      <p:ext uri="{BB962C8B-B14F-4D97-AF65-F5344CB8AC3E}">
+        <p14:creationId xmlns:p14="http://schemas.microsoft.com/office/powerpoint/2010/main" val="62896525"/>
+      </p:ext>
+    </p:extLst>
   </p:cSld>
   <p:clrMapOvr>
     <a:masterClrMapping/>
@@ -2977,7 +3112,7 @@
         <p:nvSpPr>
           <p:cNvPr id="62467" name="Rectangle 1"/>
           <p:cNvSpPr txBox="1">
-            <a:spLocks noChangeArrowheads="1" noTextEdit="1"/>
+            <a:spLocks noGrp="1" noRot="1" noChangeAspect="1" noChangeArrowheads="1" noTextEdit="1"/>
           </p:cNvSpPr>
           <p:nvPr>
             <p:ph type="sldImg"/>
@@ -3003,7 +3138,7 @@
         <p:nvSpPr>
           <p:cNvPr id="62468" name="Rectangle 2"/>
           <p:cNvSpPr txBox="1">
-            <a:spLocks noChangeArrowheads="1"/>
+            <a:spLocks noGrp="1" noChangeArrowheads="1"/>
           </p:cNvSpPr>
           <p:nvPr>
             <p:ph type="body" idx="1"/>
@@ -3026,6 +3161,11 @@
         </p:txBody>
       </p:sp>
     </p:spTree>
+    <p:extLst>
+      <p:ext uri="{BB962C8B-B14F-4D97-AF65-F5344CB8AC3E}">
+        <p14:creationId xmlns:p14="http://schemas.microsoft.com/office/powerpoint/2010/main" val="2735305892"/>
+      </p:ext>
+    </p:extLst>
   </p:cSld>
   <p:clrMapOvr>
     <a:masterClrMapping/>
@@ -3088,7 +3228,7 @@
         <p:nvSpPr>
           <p:cNvPr id="63491" name="Rectangle 1"/>
           <p:cNvSpPr txBox="1">
-            <a:spLocks noChangeArrowheads="1" noTextEdit="1"/>
+            <a:spLocks noGrp="1" noRot="1" noChangeAspect="1" noChangeArrowheads="1" noTextEdit="1"/>
           </p:cNvSpPr>
           <p:nvPr>
             <p:ph type="sldImg"/>
@@ -3114,7 +3254,7 @@
         <p:nvSpPr>
           <p:cNvPr id="63492" name="Rectangle 2"/>
           <p:cNvSpPr txBox="1">
-            <a:spLocks noChangeArrowheads="1"/>
+            <a:spLocks noGrp="1" noChangeArrowheads="1"/>
           </p:cNvSpPr>
           <p:nvPr>
             <p:ph type="body" idx="1"/>
@@ -3137,6 +3277,11 @@
         </p:txBody>
       </p:sp>
     </p:spTree>
+    <p:extLst>
+      <p:ext uri="{BB962C8B-B14F-4D97-AF65-F5344CB8AC3E}">
+        <p14:creationId xmlns:p14="http://schemas.microsoft.com/office/powerpoint/2010/main" val="1096248821"/>
+      </p:ext>
+    </p:extLst>
   </p:cSld>
   <p:clrMapOvr>
     <a:masterClrMapping/>
@@ -3199,7 +3344,7 @@
         <p:nvSpPr>
           <p:cNvPr id="36867" name="Rectangle 1"/>
           <p:cNvSpPr txBox="1">
-            <a:spLocks noChangeArrowheads="1" noTextEdit="1"/>
+            <a:spLocks noGrp="1" noRot="1" noChangeAspect="1" noChangeArrowheads="1" noTextEdit="1"/>
           </p:cNvSpPr>
           <p:nvPr>
             <p:ph type="sldImg"/>
@@ -3225,7 +3370,7 @@
         <p:nvSpPr>
           <p:cNvPr id="36868" name="Rectangle 2"/>
           <p:cNvSpPr txBox="1">
-            <a:spLocks noChangeArrowheads="1"/>
+            <a:spLocks noGrp="1" noChangeArrowheads="1"/>
           </p:cNvSpPr>
           <p:nvPr>
             <p:ph type="body" idx="1"/>
@@ -3248,6 +3393,11 @@
         </p:txBody>
       </p:sp>
     </p:spTree>
+    <p:extLst>
+      <p:ext uri="{BB962C8B-B14F-4D97-AF65-F5344CB8AC3E}">
+        <p14:creationId xmlns:p14="http://schemas.microsoft.com/office/powerpoint/2010/main" val="2186386724"/>
+      </p:ext>
+    </p:extLst>
   </p:cSld>
   <p:clrMapOvr>
     <a:masterClrMapping/>
@@ -3310,7 +3460,7 @@
         <p:nvSpPr>
           <p:cNvPr id="64515" name="Rectangle 1"/>
           <p:cNvSpPr txBox="1">
-            <a:spLocks noChangeArrowheads="1" noTextEdit="1"/>
+            <a:spLocks noGrp="1" noRot="1" noChangeAspect="1" noChangeArrowheads="1" noTextEdit="1"/>
           </p:cNvSpPr>
           <p:nvPr>
             <p:ph type="sldImg"/>
@@ -3336,7 +3486,7 @@
         <p:nvSpPr>
           <p:cNvPr id="64516" name="Rectangle 2"/>
           <p:cNvSpPr txBox="1">
-            <a:spLocks noChangeArrowheads="1"/>
+            <a:spLocks noGrp="1" noChangeArrowheads="1"/>
           </p:cNvSpPr>
           <p:nvPr>
             <p:ph type="body" idx="1"/>
@@ -3359,6 +3509,11 @@
         </p:txBody>
       </p:sp>
     </p:spTree>
+    <p:extLst>
+      <p:ext uri="{BB962C8B-B14F-4D97-AF65-F5344CB8AC3E}">
+        <p14:creationId xmlns:p14="http://schemas.microsoft.com/office/powerpoint/2010/main" val="3712001571"/>
+      </p:ext>
+    </p:extLst>
   </p:cSld>
   <p:clrMapOvr>
     <a:masterClrMapping/>
@@ -3421,7 +3576,7 @@
         <p:nvSpPr>
           <p:cNvPr id="65539" name="Rectangle 1"/>
           <p:cNvSpPr txBox="1">
-            <a:spLocks noChangeArrowheads="1" noTextEdit="1"/>
+            <a:spLocks noGrp="1" noRot="1" noChangeAspect="1" noChangeArrowheads="1" noTextEdit="1"/>
           </p:cNvSpPr>
           <p:nvPr>
             <p:ph type="sldImg"/>
@@ -3447,7 +3602,7 @@
         <p:nvSpPr>
           <p:cNvPr id="65540" name="Rectangle 2"/>
           <p:cNvSpPr txBox="1">
-            <a:spLocks noChangeArrowheads="1"/>
+            <a:spLocks noGrp="1" noChangeArrowheads="1"/>
           </p:cNvSpPr>
           <p:nvPr>
             <p:ph type="body" idx="1"/>
@@ -3470,6 +3625,11 @@
         </p:txBody>
       </p:sp>
     </p:spTree>
+    <p:extLst>
+      <p:ext uri="{BB962C8B-B14F-4D97-AF65-F5344CB8AC3E}">
+        <p14:creationId xmlns:p14="http://schemas.microsoft.com/office/powerpoint/2010/main" val="2843121260"/>
+      </p:ext>
+    </p:extLst>
   </p:cSld>
   <p:clrMapOvr>
     <a:masterClrMapping/>
@@ -3532,7 +3692,7 @@
         <p:nvSpPr>
           <p:cNvPr id="37891" name="Rectangle 1"/>
           <p:cNvSpPr txBox="1">
-            <a:spLocks noChangeArrowheads="1" noTextEdit="1"/>
+            <a:spLocks noGrp="1" noRot="1" noChangeAspect="1" noChangeArrowheads="1" noTextEdit="1"/>
           </p:cNvSpPr>
           <p:nvPr>
             <p:ph type="sldImg"/>
@@ -3558,7 +3718,7 @@
         <p:nvSpPr>
           <p:cNvPr id="37892" name="Rectangle 2"/>
           <p:cNvSpPr txBox="1">
-            <a:spLocks noChangeArrowheads="1"/>
+            <a:spLocks noGrp="1" noChangeArrowheads="1"/>
           </p:cNvSpPr>
           <p:nvPr>
             <p:ph type="body" idx="1"/>
@@ -3581,6 +3741,11 @@
         </p:txBody>
       </p:sp>
     </p:spTree>
+    <p:extLst>
+      <p:ext uri="{BB962C8B-B14F-4D97-AF65-F5344CB8AC3E}">
+        <p14:creationId xmlns:p14="http://schemas.microsoft.com/office/powerpoint/2010/main" val="8306688"/>
+      </p:ext>
+    </p:extLst>
   </p:cSld>
   <p:clrMapOvr>
     <a:masterClrMapping/>
@@ -3643,7 +3808,7 @@
         <p:nvSpPr>
           <p:cNvPr id="38915" name="Rectangle 1"/>
           <p:cNvSpPr txBox="1">
-            <a:spLocks noChangeArrowheads="1" noTextEdit="1"/>
+            <a:spLocks noGrp="1" noRot="1" noChangeAspect="1" noChangeArrowheads="1" noTextEdit="1"/>
           </p:cNvSpPr>
           <p:nvPr>
             <p:ph type="sldImg"/>
@@ -3669,7 +3834,7 @@
         <p:nvSpPr>
           <p:cNvPr id="38916" name="Rectangle 2"/>
           <p:cNvSpPr txBox="1">
-            <a:spLocks noChangeArrowheads="1"/>
+            <a:spLocks noGrp="1" noChangeArrowheads="1"/>
           </p:cNvSpPr>
           <p:nvPr>
             <p:ph type="body" idx="1"/>
@@ -3692,6 +3857,11 @@
         </p:txBody>
       </p:sp>
     </p:spTree>
+    <p:extLst>
+      <p:ext uri="{BB962C8B-B14F-4D97-AF65-F5344CB8AC3E}">
+        <p14:creationId xmlns:p14="http://schemas.microsoft.com/office/powerpoint/2010/main" val="1774208858"/>
+      </p:ext>
+    </p:extLst>
   </p:cSld>
   <p:clrMapOvr>
     <a:masterClrMapping/>
@@ -3754,7 +3924,7 @@
         <p:nvSpPr>
           <p:cNvPr id="39939" name="Rectangle 1"/>
           <p:cNvSpPr txBox="1">
-            <a:spLocks noChangeArrowheads="1" noTextEdit="1"/>
+            <a:spLocks noGrp="1" noRot="1" noChangeAspect="1" noChangeArrowheads="1" noTextEdit="1"/>
           </p:cNvSpPr>
           <p:nvPr>
             <p:ph type="sldImg"/>
@@ -3780,7 +3950,7 @@
         <p:nvSpPr>
           <p:cNvPr id="39940" name="Rectangle 2"/>
           <p:cNvSpPr txBox="1">
-            <a:spLocks noChangeArrowheads="1"/>
+            <a:spLocks noGrp="1" noChangeArrowheads="1"/>
           </p:cNvSpPr>
           <p:nvPr>
             <p:ph type="body" idx="1"/>
@@ -3803,6 +3973,11 @@
         </p:txBody>
       </p:sp>
     </p:spTree>
+    <p:extLst>
+      <p:ext uri="{BB962C8B-B14F-4D97-AF65-F5344CB8AC3E}">
+        <p14:creationId xmlns:p14="http://schemas.microsoft.com/office/powerpoint/2010/main" val="4139664514"/>
+      </p:ext>
+    </p:extLst>
   </p:cSld>
   <p:clrMapOvr>
     <a:masterClrMapping/>
@@ -3865,7 +4040,7 @@
         <p:nvSpPr>
           <p:cNvPr id="40963" name="Rectangle 1"/>
           <p:cNvSpPr txBox="1">
-            <a:spLocks noChangeArrowheads="1" noTextEdit="1"/>
+            <a:spLocks noGrp="1" noRot="1" noChangeAspect="1" noChangeArrowheads="1" noTextEdit="1"/>
           </p:cNvSpPr>
           <p:nvPr>
             <p:ph type="sldImg"/>
@@ -3891,7 +4066,7 @@
         <p:nvSpPr>
           <p:cNvPr id="40964" name="Rectangle 2"/>
           <p:cNvSpPr txBox="1">
-            <a:spLocks noChangeArrowheads="1"/>
+            <a:spLocks noGrp="1" noChangeArrowheads="1"/>
           </p:cNvSpPr>
           <p:nvPr>
             <p:ph type="body" idx="1"/>
@@ -3914,6 +4089,11 @@
         </p:txBody>
       </p:sp>
     </p:spTree>
+    <p:extLst>
+      <p:ext uri="{BB962C8B-B14F-4D97-AF65-F5344CB8AC3E}">
+        <p14:creationId xmlns:p14="http://schemas.microsoft.com/office/powerpoint/2010/main" val="2775095457"/>
+      </p:ext>
+    </p:extLst>
   </p:cSld>
   <p:clrMapOvr>
     <a:masterClrMapping/>
@@ -3976,7 +4156,7 @@
         <p:nvSpPr>
           <p:cNvPr id="41987" name="Rectangle 1"/>
           <p:cNvSpPr txBox="1">
-            <a:spLocks noChangeArrowheads="1" noTextEdit="1"/>
+            <a:spLocks noGrp="1" noRot="1" noChangeAspect="1" noChangeArrowheads="1" noTextEdit="1"/>
           </p:cNvSpPr>
           <p:nvPr>
             <p:ph type="sldImg"/>
@@ -4002,7 +4182,7 @@
         <p:nvSpPr>
           <p:cNvPr id="41988" name="Rectangle 2"/>
           <p:cNvSpPr txBox="1">
-            <a:spLocks noChangeArrowheads="1"/>
+            <a:spLocks noGrp="1" noChangeArrowheads="1"/>
           </p:cNvSpPr>
           <p:nvPr>
             <p:ph type="body" idx="1"/>
@@ -4025,6 +4205,11 @@
         </p:txBody>
       </p:sp>
     </p:spTree>
+    <p:extLst>
+      <p:ext uri="{BB962C8B-B14F-4D97-AF65-F5344CB8AC3E}">
+        <p14:creationId xmlns:p14="http://schemas.microsoft.com/office/powerpoint/2010/main" val="636295771"/>
+      </p:ext>
+    </p:extLst>
   </p:cSld>
   <p:clrMapOvr>
     <a:masterClrMapping/>
@@ -4087,7 +4272,7 @@
         <p:nvSpPr>
           <p:cNvPr id="43011" name="Rectangle 1"/>
           <p:cNvSpPr txBox="1">
-            <a:spLocks noChangeArrowheads="1" noTextEdit="1"/>
+            <a:spLocks noGrp="1" noRot="1" noChangeAspect="1" noChangeArrowheads="1" noTextEdit="1"/>
           </p:cNvSpPr>
           <p:nvPr>
             <p:ph type="sldImg"/>
@@ -4113,7 +4298,7 @@
         <p:nvSpPr>
           <p:cNvPr id="43012" name="Rectangle 2"/>
           <p:cNvSpPr txBox="1">
-            <a:spLocks noChangeArrowheads="1"/>
+            <a:spLocks noGrp="1" noChangeArrowheads="1"/>
           </p:cNvSpPr>
           <p:nvPr>
             <p:ph type="body" idx="1"/>
@@ -4136,6 +4321,11 @@
         </p:txBody>
       </p:sp>
     </p:spTree>
+    <p:extLst>
+      <p:ext uri="{BB962C8B-B14F-4D97-AF65-F5344CB8AC3E}">
+        <p14:creationId xmlns:p14="http://schemas.microsoft.com/office/powerpoint/2010/main" val="2288369520"/>
+      </p:ext>
+    </p:extLst>
   </p:cSld>
   <p:clrMapOvr>
     <a:masterClrMapping/>
@@ -8021,7 +8211,7 @@
   <p:timing>
     <p:tnLst>
       <p:par>
-        <p:cTn id="1" dur="indefinite" nodeType="tmRoot">
+        <p:cTn id="1" dur="indefinite" restart="never" nodeType="tmRoot">
           <p:childTnLst>
             <p:seq concurrent="1" nextAc="seek">
               <p:cTn id="2" dur="0" nodeType="mainSeq"/>
@@ -8784,7 +8974,7 @@
   <p:timing>
     <p:tnLst>
       <p:par>
-        <p:cTn id="1" dur="indefinite" nodeType="tmRoot">
+        <p:cTn id="1" dur="indefinite" restart="never" nodeType="tmRoot">
           <p:childTnLst>
             <p:seq concurrent="1" nextAc="seek">
               <p:cTn id="2" dur="0" nodeType="mainSeq"/>
@@ -9206,7 +9396,7 @@
   <p:timing>
     <p:tnLst>
       <p:par>
-        <p:cTn id="1" dur="indefinite" nodeType="tmRoot">
+        <p:cTn id="1" dur="indefinite" restart="never" nodeType="tmRoot">
           <p:childTnLst>
             <p:seq concurrent="1" nextAc="seek">
               <p:cTn id="2" dur="0" nodeType="mainSeq"/>
@@ -9500,7 +9690,7 @@
   <p:timing>
     <p:tnLst>
       <p:par>
-        <p:cTn id="1" dur="indefinite" nodeType="tmRoot">
+        <p:cTn id="1" dur="indefinite" restart="never" nodeType="tmRoot">
           <p:childTnLst>
             <p:seq concurrent="1" nextAc="seek">
               <p:cTn id="2" dur="0" nodeType="mainSeq"/>
@@ -9913,7 +10103,7 @@
   <p:timing>
     <p:tnLst>
       <p:par>
-        <p:cTn id="1" dur="indefinite" nodeType="tmRoot">
+        <p:cTn id="1" dur="indefinite" restart="never" nodeType="tmRoot">
           <p:childTnLst>
             <p:seq concurrent="1" nextAc="seek">
               <p:cTn id="2" dur="0" nodeType="mainSeq"/>
@@ -10304,7 +10494,7 @@
   <p:timing>
     <p:tnLst>
       <p:par>
-        <p:cTn id="1" dur="indefinite" nodeType="tmRoot">
+        <p:cTn id="1" dur="indefinite" restart="never" nodeType="tmRoot">
           <p:childTnLst>
             <p:seq concurrent="1" nextAc="seek">
               <p:cTn id="2" dur="0" nodeType="mainSeq"/>
@@ -11037,7 +11227,7 @@
   <p:timing>
     <p:tnLst>
       <p:par>
-        <p:cTn id="1" dur="indefinite" nodeType="tmRoot">
+        <p:cTn id="1" dur="indefinite" restart="never" nodeType="tmRoot">
           <p:childTnLst>
             <p:seq concurrent="1" nextAc="seek">
               <p:cTn id="2" dur="0" nodeType="mainSeq"/>
@@ -11444,7 +11634,7 @@
   <p:timing>
     <p:tnLst>
       <p:par>
-        <p:cTn id="1" dur="indefinite" nodeType="tmRoot">
+        <p:cTn id="1" dur="indefinite" restart="never" nodeType="tmRoot">
           <p:childTnLst>
             <p:seq concurrent="1" nextAc="seek">
               <p:cTn id="2" dur="0" nodeType="mainSeq"/>
@@ -11793,7 +11983,7 @@
   <p:timing>
     <p:tnLst>
       <p:par>
-        <p:cTn id="1" dur="indefinite" nodeType="tmRoot">
+        <p:cTn id="1" dur="indefinite" restart="never" nodeType="tmRoot">
           <p:childTnLst>
             <p:seq concurrent="1" nextAc="seek">
               <p:cTn id="2" dur="0" nodeType="mainSeq"/>
@@ -12154,7 +12344,7 @@
   <p:timing>
     <p:tnLst>
       <p:par>
-        <p:cTn id="1" dur="indefinite" nodeType="tmRoot">
+        <p:cTn id="1" dur="indefinite" restart="never" nodeType="tmRoot">
           <p:childTnLst>
             <p:seq concurrent="1" nextAc="seek">
               <p:cTn id="2" dur="0" nodeType="mainSeq"/>
@@ -12661,7 +12851,7 @@
   <p:timing>
     <p:tnLst>
       <p:par>
-        <p:cTn id="1" dur="indefinite" nodeType="tmRoot">
+        <p:cTn id="1" dur="indefinite" restart="never" nodeType="tmRoot">
           <p:childTnLst>
             <p:seq concurrent="1" nextAc="seek">
               <p:cTn id="2" dur="0" nodeType="mainSeq"/>
@@ -12920,7 +13110,7 @@
   <p:timing>
     <p:tnLst>
       <p:par>
-        <p:cTn id="1" dur="indefinite" nodeType="tmRoot">
+        <p:cTn id="1" dur="indefinite" restart="never" nodeType="tmRoot">
           <p:childTnLst>
             <p:seq concurrent="1" nextAc="seek">
               <p:cTn id="2" dur="0" nodeType="mainSeq"/>
@@ -13304,7 +13494,7 @@
   <p:timing>
     <p:tnLst>
       <p:par>
-        <p:cTn id="1" dur="indefinite" nodeType="tmRoot">
+        <p:cTn id="1" dur="indefinite" restart="never" nodeType="tmRoot">
           <p:childTnLst>
             <p:seq concurrent="1" nextAc="seek">
               <p:cTn id="2" dur="0" nodeType="mainSeq"/>
@@ -13693,7 +13883,7 @@
   <p:timing>
     <p:tnLst>
       <p:par>
-        <p:cTn id="1" dur="indefinite" nodeType="tmRoot">
+        <p:cTn id="1" dur="indefinite" restart="never" nodeType="tmRoot">
           <p:childTnLst>
             <p:seq concurrent="1" nextAc="seek">
               <p:cTn id="2" dur="0" nodeType="mainSeq"/>
@@ -14046,7 +14236,7 @@
   <p:timing>
     <p:tnLst>
       <p:par>
-        <p:cTn id="1" dur="indefinite" nodeType="tmRoot">
+        <p:cTn id="1" dur="indefinite" restart="never" nodeType="tmRoot">
           <p:childTnLst>
             <p:seq concurrent="1" nextAc="seek">
               <p:cTn id="2" dur="0" nodeType="mainSeq"/>
@@ -14400,7 +14590,7 @@
   <p:timing>
     <p:tnLst>
       <p:par>
-        <p:cTn id="1" dur="indefinite" nodeType="tmRoot">
+        <p:cTn id="1" dur="indefinite" restart="never" nodeType="tmRoot">
           <p:childTnLst>
             <p:seq concurrent="1" nextAc="seek">
               <p:cTn id="2" dur="0" nodeType="mainSeq"/>
@@ -14940,7 +15130,7 @@
   <p:timing>
     <p:tnLst>
       <p:par>
-        <p:cTn id="1" dur="indefinite" nodeType="tmRoot">
+        <p:cTn id="1" dur="indefinite" restart="never" nodeType="tmRoot">
           <p:childTnLst>
             <p:seq concurrent="1" nextAc="seek">
               <p:cTn id="2" dur="0" nodeType="mainSeq"/>
@@ -15294,7 +15484,7 @@
   <p:timing>
     <p:tnLst>
       <p:par>
-        <p:cTn id="1" dur="indefinite" nodeType="tmRoot">
+        <p:cTn id="1" dur="indefinite" restart="never" nodeType="tmRoot">
           <p:childTnLst>
             <p:seq concurrent="1" nextAc="seek">
               <p:cTn id="2" dur="0" nodeType="mainSeq"/>
@@ -15623,7 +15813,7 @@
   <p:timing>
     <p:tnLst>
       <p:par>
-        <p:cTn id="1" dur="indefinite" nodeType="tmRoot">
+        <p:cTn id="1" dur="indefinite" restart="never" nodeType="tmRoot">
           <p:childTnLst>
             <p:seq concurrent="1" nextAc="seek">
               <p:cTn id="2" dur="0" nodeType="mainSeq"/>
@@ -16034,7 +16224,7 @@
   <p:timing>
     <p:tnLst>
       <p:par>
-        <p:cTn id="1" dur="indefinite" nodeType="tmRoot">
+        <p:cTn id="1" dur="indefinite" restart="never" nodeType="tmRoot">
           <p:childTnLst>
             <p:seq concurrent="1" nextAc="seek">
               <p:cTn id="2" dur="0" nodeType="mainSeq"/>
@@ -16418,7 +16608,7 @@
   <p:timing>
     <p:tnLst>
       <p:par>
-        <p:cTn id="1" dur="indefinite" nodeType="tmRoot">
+        <p:cTn id="1" dur="indefinite" restart="never" nodeType="tmRoot">
           <p:childTnLst>
             <p:seq concurrent="1" nextAc="seek">
               <p:cTn id="2" dur="0" nodeType="mainSeq"/>
@@ -16864,7 +17054,7 @@
   <p:timing>
     <p:tnLst>
       <p:par>
-        <p:cTn id="1" dur="indefinite" nodeType="tmRoot">
+        <p:cTn id="1" dur="indefinite" restart="never" nodeType="tmRoot">
           <p:childTnLst>
             <p:seq concurrent="1" nextAc="seek">
               <p:cTn id="2" dur="0" nodeType="mainSeq"/>
@@ -17218,7 +17408,7 @@
   <p:timing>
     <p:tnLst>
       <p:par>
-        <p:cTn id="1" dur="indefinite" nodeType="tmRoot">
+        <p:cTn id="1" dur="indefinite" restart="never" nodeType="tmRoot">
           <p:childTnLst>
             <p:seq concurrent="1" nextAc="seek">
               <p:cTn id="2" dur="0" nodeType="mainSeq"/>
@@ -17639,7 +17829,7 @@
   <p:timing>
     <p:tnLst>
       <p:par>
-        <p:cTn id="1" dur="indefinite" nodeType="tmRoot">
+        <p:cTn id="1" dur="indefinite" restart="never" nodeType="tmRoot">
           <p:childTnLst>
             <p:seq concurrent="1" nextAc="seek">
               <p:cTn id="2" dur="0" nodeType="mainSeq"/>
@@ -17873,7 +18063,7 @@
   <p:timing>
     <p:tnLst>
       <p:par>
-        <p:cTn id="1" dur="indefinite" nodeType="tmRoot">
+        <p:cTn id="1" dur="indefinite" restart="never" nodeType="tmRoot">
           <p:childTnLst>
             <p:seq concurrent="1" nextAc="seek">
               <p:cTn id="2" dur="0" nodeType="mainSeq"/>
@@ -18397,7 +18587,7 @@
   <p:timing>
     <p:tnLst>
       <p:par>
-        <p:cTn id="1" dur="indefinite" nodeType="tmRoot">
+        <p:cTn id="1" dur="indefinite" restart="never" nodeType="tmRoot">
           <p:childTnLst>
             <p:seq concurrent="1" nextAc="seek">
               <p:cTn id="2" dur="0" nodeType="mainSeq"/>
@@ -18741,7 +18931,7 @@
   <p:timing>
     <p:tnLst>
       <p:par>
-        <p:cTn id="1" dur="indefinite" nodeType="tmRoot">
+        <p:cTn id="1" dur="indefinite" restart="never" nodeType="tmRoot">
           <p:childTnLst>
             <p:seq concurrent="1" nextAc="seek">
               <p:cTn id="2" dur="0" nodeType="mainSeq"/>
@@ -19103,7 +19293,7 @@
   <p:timing>
     <p:tnLst>
       <p:par>
-        <p:cTn id="1" dur="indefinite" nodeType="tmRoot">
+        <p:cTn id="1" dur="indefinite" restart="never" nodeType="tmRoot">
           <p:childTnLst>
             <p:seq concurrent="1" nextAc="seek">
               <p:cTn id="2" dur="0" nodeType="mainSeq"/>
@@ -19479,7 +19669,7 @@
   <p:timing>
     <p:tnLst>
       <p:par>
-        <p:cTn id="1" dur="indefinite" nodeType="tmRoot">
+        <p:cTn id="1" dur="indefinite" restart="never" nodeType="tmRoot">
           <p:childTnLst>
             <p:seq concurrent="1" nextAc="seek">
               <p:cTn id="2" dur="0" nodeType="mainSeq"/>
@@ -19975,7 +20165,7 @@
   <p:timing>
     <p:tnLst>
       <p:par>
-        <p:cTn id="1" dur="indefinite" nodeType="tmRoot">
+        <p:cTn id="1" dur="indefinite" restart="never" nodeType="tmRoot">
           <p:childTnLst>
             <p:seq concurrent="1" nextAc="seek">
               <p:cTn id="2" dur="0" nodeType="mainSeq"/>
@@ -20509,7 +20699,7 @@
   <p:timing>
     <p:tnLst>
       <p:par>
-        <p:cTn id="1" dur="indefinite" nodeType="tmRoot">
+        <p:cTn id="1" dur="indefinite" restart="never" nodeType="tmRoot">
           <p:childTnLst>
             <p:seq concurrent="1" nextAc="seek">
               <p:cTn id="2" dur="0" nodeType="mainSeq"/>
@@ -20539,7 +20729,7 @@
 <file path=ppt/theme/theme1.xml><?xml version="1.0" encoding="utf-8"?>
 <a:theme xmlns:a="http://schemas.openxmlformats.org/drawingml/2006/main" name="Larissa-Design">
   <a:themeElements>
-    <a:clrScheme name="Larissa-Design 1">
+    <a:clrScheme name="Benutzerdefiniert 1">
       <a:dk1>
         <a:srgbClr val="000000"/>
       </a:dk1>
@@ -20571,10 +20761,10 @@
         <a:srgbClr val="2D2DB9"/>
       </a:accent6>
       <a:hlink>
-        <a:srgbClr val="CCCCFF"/>
+        <a:srgbClr val="2D2DB9"/>
       </a:hlink>
       <a:folHlink>
-        <a:srgbClr val="B2B2B2"/>
+        <a:srgbClr val="2D2DB9"/>
       </a:folHlink>
     </a:clrScheme>
     <a:fontScheme name="Larissa-Design">

--- a/folien/Semester_03_Termin_07_Kapitel06.pptx
+++ b/folien/Semester_03_Termin_07_Kapitel06.pptx
@@ -10325,30 +10325,30 @@
               </a:tabLst>
             </a:pPr>
             <a:r>
-              <a:rPr lang="de-DE" sz="2800" smtClean="0"/>
+              <a:rPr lang="de-DE" sz="2800" dirty="0" smtClean="0"/>
               <a:t>Implementieren Sie die bisher vorgestellte</a:t>
             </a:r>
             <a:br>
-              <a:rPr lang="de-DE" sz="2800" smtClean="0"/>
+              <a:rPr lang="de-DE" sz="2800" dirty="0" smtClean="0"/>
             </a:br>
             <a:r>
-              <a:rPr lang="de-DE" sz="2800" smtClean="0"/>
+              <a:rPr lang="de-DE" sz="2800" dirty="0" smtClean="0"/>
               <a:t>Klasse </a:t>
             </a:r>
             <a:r>
-              <a:rPr lang="de-DE" sz="2800" smtClean="0">
+              <a:rPr lang="de-DE" sz="2800" dirty="0" smtClean="0">
                 <a:latin typeface="Courier New" pitchFamily="49" charset="0"/>
               </a:rPr>
               <a:t>Auto</a:t>
             </a:r>
             <a:r>
-              <a:rPr lang="de-DE" sz="2800" smtClean="0"/>
+              <a:rPr lang="de-DE" sz="2800" dirty="0" smtClean="0"/>
               <a:t>.</a:t>
             </a:r>
             <a:br>
-              <a:rPr lang="de-DE" sz="2800" smtClean="0"/>
+              <a:rPr lang="de-DE" sz="2800" dirty="0" smtClean="0"/>
             </a:br>
-            <a:endParaRPr lang="de-DE" sz="2800" smtClean="0"/>
+            <a:endParaRPr lang="de-DE" sz="2800" dirty="0" smtClean="0"/>
           </a:p>
           <a:p>
             <a:pPr marL="269875" indent="-269875" eaLnBrk="1">
@@ -10374,34 +10374,52 @@
               </a:tabLst>
             </a:pPr>
             <a:r>
-              <a:rPr lang="de-DE" sz="2800" smtClean="0"/>
+              <a:rPr lang="de-DE" sz="2800" dirty="0" smtClean="0"/>
               <a:t>Schreiben Sie eine neue Klasse </a:t>
             </a:r>
             <a:r>
-              <a:rPr lang="de-DE" sz="2800" smtClean="0">
+              <a:rPr lang="de-DE" sz="2800" dirty="0" err="1" smtClean="0">
                 <a:latin typeface="Courier New" pitchFamily="49" charset="0"/>
               </a:rPr>
               <a:t>AutoTester</a:t>
             </a:r>
             <a:r>
-              <a:rPr lang="de-DE" sz="2800" smtClean="0"/>
+              <a:rPr lang="de-DE" sz="2800" dirty="0" smtClean="0"/>
               <a:t>, in deren main-Methode Sie zwei neue Autos erzeugen und diese jeweils nacheinander drei unterschiedliche Wegstrecken zurücklegen lassen. Verwenden Sie hierzu </a:t>
             </a:r>
             <a:r>
-              <a:rPr lang="de-DE" sz="2800" smtClean="0">
+              <a:rPr lang="de-DE" sz="2800" dirty="0" err="1" smtClean="0">
                 <a:latin typeface="Courier New" pitchFamily="49" charset="0"/>
               </a:rPr>
-              <a:t>Zufall.getZufallInt(min, max)</a:t>
-            </a:r>
-            <a:r>
-              <a:rPr lang="de-DE" sz="2800" smtClean="0"/>
+              <a:t>Zufall.getZufallInt</a:t>
+            </a:r>
+            <a:r>
+              <a:rPr lang="de-DE" sz="2800" dirty="0" smtClean="0">
+                <a:latin typeface="Courier New" pitchFamily="49" charset="0"/>
+              </a:rPr>
+              <a:t>(min, </a:t>
+            </a:r>
+            <a:r>
+              <a:rPr lang="de-DE" sz="2800" dirty="0" err="1" smtClean="0">
+                <a:latin typeface="Courier New" pitchFamily="49" charset="0"/>
+              </a:rPr>
+              <a:t>max</a:t>
+            </a:r>
+            <a:r>
+              <a:rPr lang="de-DE" sz="2800" dirty="0" smtClean="0">
+                <a:latin typeface="Courier New" pitchFamily="49" charset="0"/>
+              </a:rPr>
+              <a:t>)</a:t>
+            </a:r>
+            <a:r>
+              <a:rPr lang="de-DE" sz="2800" dirty="0" smtClean="0"/>
               <a:t> aus der letzten Vorlesung.</a:t>
             </a:r>
             <a:br>
-              <a:rPr lang="de-DE" sz="2800" smtClean="0"/>
+              <a:rPr lang="de-DE" sz="2800" dirty="0" smtClean="0"/>
             </a:br>
             <a:r>
-              <a:rPr lang="de-DE" sz="2800" smtClean="0"/>
+              <a:rPr lang="de-DE" sz="2800" dirty="0" smtClean="0"/>
               <a:t> </a:t>
             </a:r>
           </a:p>
@@ -10429,7 +10447,7 @@
               </a:tabLst>
             </a:pPr>
             <a:r>
-              <a:rPr lang="de-DE" sz="2800" smtClean="0"/>
+              <a:rPr lang="de-DE" sz="2800" dirty="0" smtClean="0"/>
               <a:t>Geben Sie nach jeder Wegstrecke die gefahrenen Gesamtkilometer und den Tankinhalt aus.</a:t>
             </a:r>
           </a:p>
@@ -10456,7 +10474,7 @@
                 <a:tab pos="8686800" algn="l"/>
               </a:tabLst>
             </a:pPr>
-            <a:endParaRPr lang="de-DE" smtClean="0"/>
+            <a:endParaRPr lang="de-DE" dirty="0" smtClean="0"/>
           </a:p>
           <a:p>
             <a:pPr marL="269875" indent="-269875" eaLnBrk="1">
@@ -10481,7 +10499,7 @@
                 <a:tab pos="8686800" algn="l"/>
               </a:tabLst>
             </a:pPr>
-            <a:endParaRPr lang="de-DE" smtClean="0"/>
+            <a:endParaRPr lang="de-DE" dirty="0" smtClean="0"/>
           </a:p>
         </p:txBody>
       </p:sp>
@@ -13332,23 +13350,23 @@
               </a:tabLst>
             </a:pPr>
             <a:r>
-              <a:rPr lang="de-DE" sz="2800" smtClean="0"/>
+              <a:rPr lang="de-DE" sz="2800" dirty="0" smtClean="0"/>
               <a:t>Erweitern Sie die Klasse </a:t>
             </a:r>
             <a:r>
-              <a:rPr lang="de-DE" sz="2800" smtClean="0">
+              <a:rPr lang="de-DE" sz="2800" dirty="0" smtClean="0">
                 <a:latin typeface="Courier New" pitchFamily="49" charset="0"/>
               </a:rPr>
               <a:t>Auto</a:t>
             </a:r>
             <a:r>
-              <a:rPr lang="de-DE" sz="2800" smtClean="0"/>
+              <a:rPr lang="de-DE" sz="2800" dirty="0" smtClean="0"/>
               <a:t> derart, dass der "Benzinverbrauch pro km" und der "maximale Tankinhalt" ebenfalls Eigenschaften eines Autos sind.</a:t>
             </a:r>
             <a:br>
-              <a:rPr lang="de-DE" sz="2800" smtClean="0"/>
+              <a:rPr lang="de-DE" sz="2800" dirty="0" smtClean="0"/>
             </a:br>
-            <a:endParaRPr lang="de-DE" sz="2800" smtClean="0"/>
+            <a:endParaRPr lang="de-DE" sz="2800" dirty="0" smtClean="0"/>
           </a:p>
           <a:p>
             <a:pPr marL="269875" indent="-269875" eaLnBrk="1">
@@ -13374,14 +13392,14 @@
               </a:tabLst>
             </a:pPr>
             <a:r>
-              <a:rPr lang="de-DE" sz="2800" smtClean="0"/>
+              <a:rPr lang="de-DE" sz="2800" dirty="0" smtClean="0"/>
               <a:t>Es soll nur solange gefahren werden, wie der Treibstoff reicht.</a:t>
             </a:r>
             <a:br>
-              <a:rPr lang="de-DE" sz="2800" smtClean="0"/>
+              <a:rPr lang="de-DE" sz="2800" dirty="0" smtClean="0"/>
             </a:br>
             <a:r>
-              <a:rPr lang="de-DE" sz="2800" smtClean="0"/>
+              <a:rPr lang="de-DE" sz="2800" dirty="0" smtClean="0"/>
               <a:t> </a:t>
             </a:r>
           </a:p>
@@ -13409,29 +13427,44 @@
               </a:tabLst>
             </a:pPr>
             <a:r>
-              <a:rPr lang="de-DE" sz="2800" smtClean="0"/>
-              <a:t>Implementieren Sie folgende Methode, um den Tank aufzufüllen:</a:t>
-            </a:r>
-            <a:br>
-              <a:rPr lang="de-DE" sz="2800" smtClean="0"/>
-            </a:br>
-            <a:r>
-              <a:rPr lang="de-DE" sz="2800" smtClean="0"/>
-              <a:t/>
-            </a:r>
-            <a:br>
-              <a:rPr lang="de-DE" sz="2800" smtClean="0"/>
-            </a:br>
-            <a:r>
-              <a:rPr lang="de-DE" sz="2800" smtClean="0">
+              <a:rPr lang="de-DE" sz="2800" dirty="0" smtClean="0"/>
+              <a:t>Implementieren Sie folgende Methode, um den Tank </a:t>
+            </a:r>
+            <a:r>
+              <a:rPr lang="de-DE" sz="2800" dirty="0" smtClean="0"/>
+              <a:t>aufzufüllen: </a:t>
+            </a:r>
+            <a:r>
+              <a:rPr lang="de-DE" sz="2800" dirty="0" smtClean="0">
                 <a:latin typeface="Courier New" pitchFamily="49" charset="0"/>
               </a:rPr>
-              <a:t>... tanken(int liter) ...</a:t>
-            </a:r>
-            <a:r>
-              <a:rPr lang="de-DE" sz="2800" smtClean="0"/>
+              <a:t>tanken(</a:t>
+            </a:r>
+            <a:r>
+              <a:rPr lang="de-DE" sz="2800" dirty="0" err="1" smtClean="0">
+                <a:latin typeface="Courier New" pitchFamily="49" charset="0"/>
+              </a:rPr>
+              <a:t>int</a:t>
+            </a:r>
+            <a:r>
+              <a:rPr lang="de-DE" sz="2800" dirty="0" smtClean="0">
+                <a:latin typeface="Courier New" pitchFamily="49" charset="0"/>
+              </a:rPr>
               <a:t> </a:t>
             </a:r>
+            <a:r>
+              <a:rPr lang="de-DE" sz="2800" dirty="0" err="1" smtClean="0">
+                <a:latin typeface="Courier New" pitchFamily="49" charset="0"/>
+              </a:rPr>
+              <a:t>liter</a:t>
+            </a:r>
+            <a:r>
+              <a:rPr lang="de-DE" sz="2800" dirty="0" smtClean="0">
+                <a:latin typeface="Courier New" pitchFamily="49" charset="0"/>
+              </a:rPr>
+              <a:t>)</a:t>
+            </a:r>
+            <a:endParaRPr lang="de-DE" sz="2800" dirty="0" smtClean="0"/>
           </a:p>
           <a:p>
             <a:pPr marL="269875" indent="-269875" eaLnBrk="1">
@@ -13456,7 +13489,7 @@
                 <a:tab pos="8686800" algn="l"/>
               </a:tabLst>
             </a:pPr>
-            <a:endParaRPr lang="de-DE" smtClean="0"/>
+            <a:endParaRPr lang="de-DE" dirty="0" smtClean="0"/>
           </a:p>
           <a:p>
             <a:pPr marL="269875" indent="-269875" eaLnBrk="1">
@@ -13481,7 +13514,7 @@
                 <a:tab pos="8686800" algn="l"/>
               </a:tabLst>
             </a:pPr>
-            <a:endParaRPr lang="de-DE" smtClean="0"/>
+            <a:endParaRPr lang="de-DE" dirty="0" smtClean="0"/>
           </a:p>
         </p:txBody>
       </p:sp>

--- a/folien/Semester_03_Termin_07_Kapitel06.pptx
+++ b/folien/Semester_03_Termin_07_Kapitel06.pptx
@@ -10272,13 +10272,26 @@
               </a:tabLst>
             </a:pPr>
             <a:r>
-              <a:rPr lang="de-DE" sz="4000" smtClean="0">
+              <a:rPr lang="de-DE" sz="4000" dirty="0" smtClean="0">
                 <a:solidFill>
                   <a:srgbClr val="FFFFFF"/>
                 </a:solidFill>
               </a:rPr>
-              <a:t>Exemplare – Übung 1</a:t>
-            </a:r>
+              <a:t>Exemplare – Übung </a:t>
+            </a:r>
+            <a:r>
+              <a:rPr lang="de-DE" sz="4000" dirty="0" smtClean="0">
+                <a:solidFill>
+                  <a:srgbClr val="FFFFFF"/>
+                </a:solidFill>
+              </a:rPr>
+              <a:t>(Teil 1)</a:t>
+            </a:r>
+            <a:endParaRPr lang="de-DE" sz="4000" dirty="0" smtClean="0">
+              <a:solidFill>
+                <a:srgbClr val="FFFFFF"/>
+              </a:solidFill>
+            </a:endParaRPr>
           </a:p>
         </p:txBody>
       </p:sp>
@@ -13088,9 +13101,14 @@
               </a:tabLst>
             </a:pPr>
             <a:r>
-              <a:rPr lang="de-DE" smtClean="0"/>
-              <a:t>Objektorientierte Programmierung</a:t>
-            </a:r>
+              <a:rPr lang="de-DE" dirty="0" smtClean="0"/>
+              <a:t>Objektorientierte </a:t>
+            </a:r>
+            <a:r>
+              <a:rPr lang="de-DE" dirty="0" smtClean="0"/>
+              <a:t>Programmierung</a:t>
+            </a:r>
+            <a:endParaRPr lang="de-DE" dirty="0" smtClean="0"/>
           </a:p>
           <a:p>
             <a:pPr marL="269875" indent="-269875" eaLnBrk="1">
@@ -13115,7 +13133,44 @@
                 <a:tab pos="8686800" algn="l"/>
               </a:tabLst>
             </a:pPr>
-            <a:endParaRPr lang="de-DE" smtClean="0"/>
+            <a:endParaRPr lang="de-DE" dirty="0" smtClean="0"/>
+          </a:p>
+        </p:txBody>
+      </p:sp>
+      <p:sp>
+        <p:nvSpPr>
+          <p:cNvPr id="2" name="Rechteck 1"/>
+          <p:cNvSpPr/>
+          <p:nvPr/>
+        </p:nvSpPr>
+        <p:spPr>
+          <a:xfrm>
+            <a:off x="1871960" y="4870029"/>
+            <a:ext cx="6552728" cy="349968"/>
+          </a:xfrm>
+          <a:prstGeom prst="rect">
+            <a:avLst/>
+          </a:prstGeom>
+        </p:spPr>
+        <p:txBody>
+          <a:bodyPr wrap="square">
+            <a:spAutoFit/>
+          </a:bodyPr>
+          <a:lstStyle/>
+          <a:p>
+            <a:r>
+              <a:rPr lang="en-US" dirty="0">
+                <a:hlinkClick r:id="rId3"/>
+              </a:rPr>
+              <a:t>https://</a:t>
+            </a:r>
+            <a:r>
+              <a:rPr lang="en-US" dirty="0" smtClean="0">
+                <a:hlinkClick r:id="rId3"/>
+              </a:rPr>
+              <a:t>github.com/nordakademie-einfuehrung-java/uebung_6</a:t>
+            </a:r>
+            <a:endParaRPr lang="en-US" dirty="0"/>
           </a:p>
         </p:txBody>
       </p:sp>
@@ -13297,13 +13352,26 @@
               </a:tabLst>
             </a:pPr>
             <a:r>
-              <a:rPr lang="de-DE" sz="4000" smtClean="0">
+              <a:rPr lang="de-DE" sz="4000" dirty="0" smtClean="0">
                 <a:solidFill>
                   <a:srgbClr val="FFFFFF"/>
                 </a:solidFill>
               </a:rPr>
-              <a:t>Exemplare – Übung 2</a:t>
-            </a:r>
+              <a:t>Exemplare – Übung </a:t>
+            </a:r>
+            <a:r>
+              <a:rPr lang="de-DE" sz="4000" dirty="0" smtClean="0">
+                <a:solidFill>
+                  <a:srgbClr val="FFFFFF"/>
+                </a:solidFill>
+              </a:rPr>
+              <a:t>(Teil 2)</a:t>
+            </a:r>
+            <a:endParaRPr lang="de-DE" sz="4000" dirty="0" smtClean="0">
+              <a:solidFill>
+                <a:srgbClr val="FFFFFF"/>
+              </a:solidFill>
+            </a:endParaRPr>
           </a:p>
         </p:txBody>
       </p:sp>
@@ -13428,11 +13496,7 @@
             </a:pPr>
             <a:r>
               <a:rPr lang="de-DE" sz="2800" dirty="0" smtClean="0"/>
-              <a:t>Implementieren Sie folgende Methode, um den Tank </a:t>
-            </a:r>
-            <a:r>
-              <a:rPr lang="de-DE" sz="2800" dirty="0" smtClean="0"/>
-              <a:t>aufzufüllen: </a:t>
+              <a:t>Implementieren Sie folgende Methode, um den Tank aufzufüllen: </a:t>
             </a:r>
             <a:r>
               <a:rPr lang="de-DE" sz="2800" dirty="0" smtClean="0">
@@ -15686,13 +15750,26 @@
               </a:tabLst>
             </a:pPr>
             <a:r>
-              <a:rPr lang="de-DE" sz="4000" smtClean="0">
+              <a:rPr lang="de-DE" sz="4000" dirty="0" smtClean="0">
                 <a:solidFill>
                   <a:srgbClr val="FFFFFF"/>
                 </a:solidFill>
               </a:rPr>
-              <a:t>Übung 1</a:t>
-            </a:r>
+              <a:t>Übung </a:t>
+            </a:r>
+            <a:r>
+              <a:rPr lang="de-DE" sz="4000" dirty="0" smtClean="0">
+                <a:solidFill>
+                  <a:srgbClr val="FFFFFF"/>
+                </a:solidFill>
+              </a:rPr>
+              <a:t>(Teil 3)</a:t>
+            </a:r>
+            <a:endParaRPr lang="de-DE" sz="4000" dirty="0" smtClean="0">
+              <a:solidFill>
+                <a:srgbClr val="FFFFFF"/>
+              </a:solidFill>
+            </a:endParaRPr>
           </a:p>
         </p:txBody>
       </p:sp>
@@ -16015,13 +16092,26 @@
               </a:tabLst>
             </a:pPr>
             <a:r>
-              <a:rPr lang="de-DE" sz="4000" smtClean="0">
+              <a:rPr lang="de-DE" sz="4000" dirty="0" smtClean="0">
                 <a:solidFill>
                   <a:srgbClr val="FFFFFF"/>
                 </a:solidFill>
               </a:rPr>
-              <a:t>Übung 2</a:t>
-            </a:r>
+              <a:t>Übung </a:t>
+            </a:r>
+            <a:r>
+              <a:rPr lang="de-DE" sz="4000" dirty="0" smtClean="0">
+                <a:solidFill>
+                  <a:srgbClr val="FFFFFF"/>
+                </a:solidFill>
+              </a:rPr>
+              <a:t>(Teil 4)</a:t>
+            </a:r>
+            <a:endParaRPr lang="de-DE" sz="4000" dirty="0" smtClean="0">
+              <a:solidFill>
+                <a:srgbClr val="FFFFFF"/>
+              </a:solidFill>
+            </a:endParaRPr>
           </a:p>
         </p:txBody>
       </p:sp>
@@ -16426,13 +16516,26 @@
               </a:tabLst>
             </a:pPr>
             <a:r>
-              <a:rPr lang="de-DE" sz="4000" smtClean="0">
+              <a:rPr lang="de-DE" sz="4000" dirty="0" smtClean="0">
                 <a:solidFill>
                   <a:srgbClr val="FFFFFF"/>
                 </a:solidFill>
               </a:rPr>
-              <a:t>Übung 3</a:t>
-            </a:r>
+              <a:t>Übung </a:t>
+            </a:r>
+            <a:r>
+              <a:rPr lang="de-DE" sz="4000" dirty="0" smtClean="0">
+                <a:solidFill>
+                  <a:srgbClr val="FFFFFF"/>
+                </a:solidFill>
+              </a:rPr>
+              <a:t>(Teil 5)</a:t>
+            </a:r>
+            <a:endParaRPr lang="de-DE" sz="4000" dirty="0" smtClean="0">
+              <a:solidFill>
+                <a:srgbClr val="FFFFFF"/>
+              </a:solidFill>
+            </a:endParaRPr>
           </a:p>
         </p:txBody>
       </p:sp>
@@ -16810,13 +16913,26 @@
               </a:tabLst>
             </a:pPr>
             <a:r>
-              <a:rPr lang="de-DE" sz="4000" smtClean="0">
+              <a:rPr lang="de-DE" sz="4000" dirty="0" smtClean="0">
                 <a:solidFill>
                   <a:srgbClr val="FFFFFF"/>
                 </a:solidFill>
               </a:rPr>
-              <a:t>Übung 4</a:t>
-            </a:r>
+              <a:t>Übung </a:t>
+            </a:r>
+            <a:r>
+              <a:rPr lang="de-DE" sz="4000" dirty="0" smtClean="0">
+                <a:solidFill>
+                  <a:srgbClr val="FFFFFF"/>
+                </a:solidFill>
+              </a:rPr>
+              <a:t>(Teil 6)</a:t>
+            </a:r>
+            <a:endParaRPr lang="de-DE" sz="4000" dirty="0" smtClean="0">
+              <a:solidFill>
+                <a:srgbClr val="FFFFFF"/>
+              </a:solidFill>
+            </a:endParaRPr>
           </a:p>
         </p:txBody>
       </p:sp>

--- a/folien/Semester_03_Termin_07_Kapitel06.pptx
+++ b/folien/Semester_03_Termin_07_Kapitel06.pptx
@@ -10277,21 +10277,8 @@
                   <a:srgbClr val="FFFFFF"/>
                 </a:solidFill>
               </a:rPr>
-              <a:t>Exemplare – Übung </a:t>
-            </a:r>
-            <a:r>
-              <a:rPr lang="de-DE" sz="4000" dirty="0" smtClean="0">
-                <a:solidFill>
-                  <a:srgbClr val="FFFFFF"/>
-                </a:solidFill>
-              </a:rPr>
-              <a:t>(Teil 1)</a:t>
-            </a:r>
-            <a:endParaRPr lang="de-DE" sz="4000" dirty="0" smtClean="0">
-              <a:solidFill>
-                <a:srgbClr val="FFFFFF"/>
-              </a:solidFill>
-            </a:endParaRPr>
+              <a:t>Exemplare – Übung (Teil 1)</a:t>
+            </a:r>
           </a:p>
         </p:txBody>
       </p:sp>
@@ -13102,13 +13089,8 @@
             </a:pPr>
             <a:r>
               <a:rPr lang="de-DE" dirty="0" smtClean="0"/>
-              <a:t>Objektorientierte </a:t>
-            </a:r>
-            <a:r>
-              <a:rPr lang="de-DE" dirty="0" smtClean="0"/>
-              <a:t>Programmierung</a:t>
-            </a:r>
-            <a:endParaRPr lang="de-DE" dirty="0" smtClean="0"/>
+              <a:t>Objektorientierte Programmierung</a:t>
+            </a:r>
           </a:p>
           <a:p>
             <a:pPr marL="269875" indent="-269875" eaLnBrk="1">
@@ -13357,21 +13339,8 @@
                   <a:srgbClr val="FFFFFF"/>
                 </a:solidFill>
               </a:rPr>
-              <a:t>Exemplare – Übung </a:t>
-            </a:r>
-            <a:r>
-              <a:rPr lang="de-DE" sz="4000" dirty="0" smtClean="0">
-                <a:solidFill>
-                  <a:srgbClr val="FFFFFF"/>
-                </a:solidFill>
-              </a:rPr>
-              <a:t>(Teil 2)</a:t>
-            </a:r>
-            <a:endParaRPr lang="de-DE" sz="4000" dirty="0" smtClean="0">
-              <a:solidFill>
-                <a:srgbClr val="FFFFFF"/>
-              </a:solidFill>
-            </a:endParaRPr>
+              <a:t>Exemplare – Übung (Teil 2)</a:t>
+            </a:r>
           </a:p>
         </p:txBody>
       </p:sp>
@@ -15755,21 +15724,8 @@
                   <a:srgbClr val="FFFFFF"/>
                 </a:solidFill>
               </a:rPr>
-              <a:t>Übung </a:t>
-            </a:r>
-            <a:r>
-              <a:rPr lang="de-DE" sz="4000" dirty="0" smtClean="0">
-                <a:solidFill>
-                  <a:srgbClr val="FFFFFF"/>
-                </a:solidFill>
-              </a:rPr>
-              <a:t>(Teil 3)</a:t>
-            </a:r>
-            <a:endParaRPr lang="de-DE" sz="4000" dirty="0" smtClean="0">
-              <a:solidFill>
-                <a:srgbClr val="FFFFFF"/>
-              </a:solidFill>
-            </a:endParaRPr>
+              <a:t>Übung (Teil 3)</a:t>
+            </a:r>
           </a:p>
         </p:txBody>
       </p:sp>
@@ -15816,23 +15772,31 @@
               </a:tabLst>
             </a:pPr>
             <a:r>
-              <a:rPr lang="de-DE" sz="2800" smtClean="0"/>
+              <a:rPr lang="de-DE" sz="2800" dirty="0" smtClean="0"/>
               <a:t>Erstellen Sie eine Klasse </a:t>
             </a:r>
             <a:r>
-              <a:rPr lang="de-DE" sz="2800" smtClean="0">
+              <a:rPr lang="de-DE" sz="2800" dirty="0" smtClean="0">
                 <a:latin typeface="Courier New" pitchFamily="49" charset="0"/>
               </a:rPr>
               <a:t>Person</a:t>
             </a:r>
             <a:r>
-              <a:rPr lang="de-DE" sz="2800" smtClean="0"/>
-              <a:t>. Eine Person soll einen Vor- und einen Nachnamen besitzen. Desweiteren interessiert uns noch das Geburtsjahr.</a:t>
+              <a:rPr lang="de-DE" sz="2800" dirty="0" smtClean="0"/>
+              <a:t>. Eine Person soll einen Vor- und einen Nachnamen besitzen. </a:t>
+            </a:r>
+            <a:r>
+              <a:rPr lang="de-DE" sz="2800" dirty="0" err="1" smtClean="0"/>
+              <a:t>Desweiteren</a:t>
+            </a:r>
+            <a:r>
+              <a:rPr lang="de-DE" sz="2800" dirty="0" smtClean="0"/>
+              <a:t> interessiert uns noch das Geburtsjahr.</a:t>
             </a:r>
             <a:br>
-              <a:rPr lang="de-DE" sz="2800" smtClean="0"/>
+              <a:rPr lang="de-DE" sz="2800" dirty="0" smtClean="0"/>
             </a:br>
-            <a:endParaRPr lang="de-DE" sz="2800" smtClean="0"/>
+            <a:endParaRPr lang="de-DE" sz="2800" dirty="0" smtClean="0"/>
           </a:p>
           <a:p>
             <a:pPr marL="269875" indent="-269875" eaLnBrk="1">
@@ -15858,7 +15822,7 @@
               </a:tabLst>
             </a:pPr>
             <a:r>
-              <a:rPr lang="de-DE" sz="2800" smtClean="0"/>
+              <a:rPr lang="de-DE" sz="2800" dirty="0" smtClean="0"/>
               <a:t>Legen Sie zwei Personen an und geben Sie jeweils den Namen und das Alter der Person aus.</a:t>
             </a:r>
           </a:p>
@@ -15885,7 +15849,7 @@
                 <a:tab pos="8686800" algn="l"/>
               </a:tabLst>
             </a:pPr>
-            <a:endParaRPr lang="de-DE" smtClean="0"/>
+            <a:endParaRPr lang="de-DE" dirty="0" smtClean="0"/>
           </a:p>
           <a:p>
             <a:pPr marL="269875" indent="-269875" eaLnBrk="1">
@@ -15910,7 +15874,7 @@
                 <a:tab pos="8686800" algn="l"/>
               </a:tabLst>
             </a:pPr>
-            <a:endParaRPr lang="de-DE" smtClean="0"/>
+            <a:endParaRPr lang="de-DE" dirty="0" smtClean="0"/>
           </a:p>
         </p:txBody>
       </p:sp>
@@ -16097,21 +16061,8 @@
                   <a:srgbClr val="FFFFFF"/>
                 </a:solidFill>
               </a:rPr>
-              <a:t>Übung </a:t>
-            </a:r>
-            <a:r>
-              <a:rPr lang="de-DE" sz="4000" dirty="0" smtClean="0">
-                <a:solidFill>
-                  <a:srgbClr val="FFFFFF"/>
-                </a:solidFill>
-              </a:rPr>
-              <a:t>(Teil 4)</a:t>
-            </a:r>
-            <a:endParaRPr lang="de-DE" sz="4000" dirty="0" smtClean="0">
-              <a:solidFill>
-                <a:srgbClr val="FFFFFF"/>
-              </a:solidFill>
-            </a:endParaRPr>
+              <a:t>Übung (Teil 4)</a:t>
+            </a:r>
           </a:p>
         </p:txBody>
       </p:sp>
@@ -16158,37 +16109,45 @@
               </a:tabLst>
             </a:pPr>
             <a:r>
-              <a:rPr lang="de-DE" sz="2800" smtClean="0"/>
+              <a:rPr lang="de-DE" sz="2800" dirty="0" smtClean="0"/>
               <a:t>Erweitern Sie die Klasse </a:t>
             </a:r>
             <a:r>
-              <a:rPr lang="de-DE" sz="2800" smtClean="0">
+              <a:rPr lang="de-DE" sz="2800" dirty="0" smtClean="0">
                 <a:latin typeface="Courier New" pitchFamily="49" charset="0"/>
               </a:rPr>
               <a:t>Auto</a:t>
             </a:r>
             <a:r>
-              <a:rPr lang="de-DE" sz="2800" smtClean="0"/>
-              <a:t> um zwei Exemplarvariablen </a:t>
-            </a:r>
-            <a:r>
-              <a:rPr lang="de-DE" sz="2800" smtClean="0">
+              <a:rPr lang="de-DE" sz="2800" dirty="0" smtClean="0"/>
+              <a:t> um zwei </a:t>
+            </a:r>
+            <a:r>
+              <a:rPr lang="de-DE" sz="2800" dirty="0" err="1" smtClean="0"/>
+              <a:t>Exemplarvariablen</a:t>
+            </a:r>
+            <a:r>
+              <a:rPr lang="de-DE" sz="2800" dirty="0" smtClean="0"/>
+              <a:t> </a:t>
+            </a:r>
+            <a:r>
+              <a:rPr lang="de-DE" sz="2800" dirty="0" err="1" smtClean="0">
                 <a:latin typeface="Courier New" pitchFamily="49" charset="0"/>
               </a:rPr>
               <a:t>profiltiefeReifen</a:t>
             </a:r>
             <a:r>
-              <a:rPr lang="de-DE" sz="2800" smtClean="0"/>
+              <a:rPr lang="de-DE" sz="2800" dirty="0" smtClean="0"/>
               <a:t> und </a:t>
             </a:r>
             <a:r>
-              <a:rPr lang="de-DE" sz="2800" smtClean="0">
+              <a:rPr lang="de-DE" sz="2800" dirty="0" err="1" smtClean="0">
                 <a:latin typeface="Courier New" pitchFamily="49" charset="0"/>
               </a:rPr>
               <a:t>wagenname</a:t>
             </a:r>
             <a:r>
-              <a:rPr lang="de-DE" sz="2800" smtClean="0"/>
+              <a:rPr lang="de-DE" sz="2800" dirty="0" smtClean="0"/>
               <a:t>.</a:t>
             </a:r>
           </a:p>
@@ -16216,7 +16175,7 @@
               </a:tabLst>
             </a:pPr>
             <a:r>
-              <a:rPr lang="de-DE" sz="2800" smtClean="0"/>
+              <a:rPr lang="de-DE" sz="2800" dirty="0" smtClean="0"/>
               <a:t>Bei jeder Fahrt wird ab sofort auch das Profil der Reifen abgefahren. Mit unzureichender Profiltiefe (&lt; 3 mm) soll ein Auto nicht mehr fahren. </a:t>
             </a:r>
           </a:p>
@@ -16244,17 +16203,23 @@
               </a:tabLst>
             </a:pPr>
             <a:r>
-              <a:rPr lang="de-DE" sz="2800" smtClean="0"/>
+              <a:rPr lang="de-DE" sz="2800" dirty="0" smtClean="0"/>
               <a:t>Erstellen Sie eine Methode </a:t>
             </a:r>
             <a:r>
-              <a:rPr lang="de-DE" sz="2800" smtClean="0">
+              <a:rPr lang="de-DE" sz="2800" dirty="0" err="1" smtClean="0">
                 <a:latin typeface="Courier New" pitchFamily="49" charset="0"/>
               </a:rPr>
-              <a:t>wechlseReifen()</a:t>
-            </a:r>
-            <a:r>
-              <a:rPr lang="de-DE" sz="2800" smtClean="0"/>
+              <a:t>wechlseReifen</a:t>
+            </a:r>
+            <a:r>
+              <a:rPr lang="de-DE" sz="2800" dirty="0" smtClean="0">
+                <a:latin typeface="Courier New" pitchFamily="49" charset="0"/>
+              </a:rPr>
+              <a:t>()</a:t>
+            </a:r>
+            <a:r>
+              <a:rPr lang="de-DE" sz="2800" dirty="0" smtClean="0"/>
               <a:t>, um die Profiltiefe wiederherzustellen.</a:t>
             </a:r>
           </a:p>
@@ -16282,7 +16247,7 @@
               </a:tabLst>
             </a:pPr>
             <a:r>
-              <a:rPr lang="de-DE" sz="2800" smtClean="0"/>
+              <a:rPr lang="de-DE" sz="2800" dirty="0" smtClean="0"/>
               <a:t>Der Wagenname soll nur im Konstruktor übergeben werden und sonst nicht änderbar sein. Er soll jedoch bei Bedarf ausgegeben werden können.</a:t>
             </a:r>
           </a:p>
@@ -16309,7 +16274,7 @@
                 <a:tab pos="8686800" algn="l"/>
               </a:tabLst>
             </a:pPr>
-            <a:endParaRPr lang="de-DE" smtClean="0"/>
+            <a:endParaRPr lang="de-DE" dirty="0" smtClean="0"/>
           </a:p>
           <a:p>
             <a:pPr marL="269875" indent="-269875" eaLnBrk="1">
@@ -16334,7 +16299,7 @@
                 <a:tab pos="8686800" algn="l"/>
               </a:tabLst>
             </a:pPr>
-            <a:endParaRPr lang="de-DE" smtClean="0"/>
+            <a:endParaRPr lang="de-DE" dirty="0" smtClean="0"/>
           </a:p>
         </p:txBody>
       </p:sp>
@@ -16521,21 +16486,8 @@
                   <a:srgbClr val="FFFFFF"/>
                 </a:solidFill>
               </a:rPr>
-              <a:t>Übung </a:t>
-            </a:r>
-            <a:r>
-              <a:rPr lang="de-DE" sz="4000" dirty="0" smtClean="0">
-                <a:solidFill>
-                  <a:srgbClr val="FFFFFF"/>
-                </a:solidFill>
-              </a:rPr>
-              <a:t>(Teil 5)</a:t>
-            </a:r>
-            <a:endParaRPr lang="de-DE" sz="4000" dirty="0" smtClean="0">
-              <a:solidFill>
-                <a:srgbClr val="FFFFFF"/>
-              </a:solidFill>
-            </a:endParaRPr>
+              <a:t>Übung (Teil 5)</a:t>
+            </a:r>
           </a:p>
         </p:txBody>
       </p:sp>
@@ -16582,43 +16534,63 @@
               </a:tabLst>
             </a:pPr>
             <a:r>
-              <a:rPr lang="de-DE" sz="2800" smtClean="0"/>
+              <a:rPr lang="de-DE" sz="2800" dirty="0" smtClean="0"/>
               <a:t>Erweitern Sie die Klasse </a:t>
             </a:r>
             <a:r>
-              <a:rPr lang="de-DE" sz="2800" smtClean="0">
+              <a:rPr lang="de-DE" sz="2800" dirty="0" smtClean="0">
                 <a:latin typeface="Courier New" pitchFamily="49" charset="0"/>
               </a:rPr>
               <a:t>Auto</a:t>
             </a:r>
             <a:r>
-              <a:rPr lang="de-DE" sz="2800" smtClean="0"/>
-              <a:t> um eine Instanzvariable </a:t>
-            </a:r>
-            <a:r>
-              <a:rPr lang="de-DE" sz="2800" smtClean="0">
+              <a:rPr lang="de-DE" sz="2800" dirty="0" smtClean="0"/>
+              <a:t> um eine </a:t>
+            </a:r>
+            <a:r>
+              <a:rPr lang="de-DE" sz="2800" dirty="0" err="1" smtClean="0"/>
+              <a:t>Instanzvariable</a:t>
+            </a:r>
+            <a:r>
+              <a:rPr lang="de-DE" sz="2800" dirty="0" smtClean="0"/>
+              <a:t> </a:t>
+            </a:r>
+            <a:r>
+              <a:rPr lang="de-DE" sz="2800" dirty="0" err="1" smtClean="0">
                 <a:latin typeface="Courier New" pitchFamily="49" charset="0"/>
               </a:rPr>
               <a:t>fahrer</a:t>
             </a:r>
             <a:r>
-              <a:rPr lang="de-DE" sz="2800" smtClean="0"/>
+              <a:rPr lang="de-DE" sz="2800" dirty="0" smtClean="0"/>
               <a:t>. Der Fahrer soll vom Typ </a:t>
             </a:r>
             <a:r>
-              <a:rPr lang="de-DE" sz="2800" smtClean="0">
+              <a:rPr lang="de-DE" sz="2800" dirty="0" smtClean="0">
                 <a:latin typeface="Courier New" pitchFamily="49" charset="0"/>
               </a:rPr>
               <a:t>Person</a:t>
             </a:r>
             <a:r>
+              <a:rPr lang="de-DE" sz="2800" dirty="0" smtClean="0"/>
+              <a:t> </a:t>
+            </a:r>
+            <a:r>
               <a:rPr lang="de-DE" sz="2800" smtClean="0"/>
-              <a:t> aus Übung 1 sein.</a:t>
+              <a:t>aus </a:t>
+            </a:r>
+            <a:r>
+              <a:rPr lang="de-DE" sz="2800" smtClean="0"/>
+              <a:t>Teil 3 </a:t>
+            </a:r>
+            <a:r>
+              <a:rPr lang="de-DE" sz="2800" dirty="0" smtClean="0"/>
+              <a:t>sein.</a:t>
             </a:r>
             <a:br>
-              <a:rPr lang="de-DE" sz="2800" smtClean="0"/>
+              <a:rPr lang="de-DE" sz="2800" dirty="0" smtClean="0"/>
             </a:br>
-            <a:endParaRPr lang="de-DE" sz="2800" smtClean="0"/>
+            <a:endParaRPr lang="de-DE" sz="2800" dirty="0" smtClean="0"/>
           </a:p>
           <a:p>
             <a:pPr marL="269875" indent="-269875" eaLnBrk="1">
@@ -16644,14 +16616,14 @@
               </a:tabLst>
             </a:pPr>
             <a:r>
-              <a:rPr lang="de-DE" sz="2800" smtClean="0"/>
+              <a:rPr lang="de-DE" sz="2800" dirty="0" smtClean="0"/>
               <a:t>Vor jeder Fahrt muss ein Fahrer in das Auto gesetzt werden. Ohne Fahrer fährt das Auto nicht.</a:t>
             </a:r>
             <a:br>
-              <a:rPr lang="de-DE" sz="2800" smtClean="0"/>
+              <a:rPr lang="de-DE" sz="2800" dirty="0" smtClean="0"/>
             </a:br>
             <a:r>
-              <a:rPr lang="de-DE" sz="2800" smtClean="0"/>
+              <a:rPr lang="de-DE" sz="2800" dirty="0" smtClean="0"/>
               <a:t> </a:t>
             </a:r>
           </a:p>
@@ -16679,8 +16651,16 @@
               </a:tabLst>
             </a:pPr>
             <a:r>
-              <a:rPr lang="de-DE" sz="2800" smtClean="0"/>
-              <a:t>Ist der Fahrer besonders jung (&lt;= 20), so soll der Verbrauch um 10% und die Reifenabnutzung um 5% steigen. Ist der Fahrer besonders alt (&gt;= 60), sinken die Werte um 10% bzw 5%.</a:t>
+              <a:rPr lang="de-DE" sz="2800" dirty="0" smtClean="0"/>
+              <a:t>Ist der Fahrer besonders jung (&lt;= 20), so soll der Verbrauch um 10% und die Reifenabnutzung um 5% steigen. Ist der Fahrer besonders alt (&gt;= 60), sinken die Werte um 10% </a:t>
+            </a:r>
+            <a:r>
+              <a:rPr lang="de-DE" sz="2800" dirty="0" err="1" smtClean="0"/>
+              <a:t>bzw</a:t>
+            </a:r>
+            <a:r>
+              <a:rPr lang="de-DE" sz="2800" dirty="0" smtClean="0"/>
+              <a:t> 5%.</a:t>
             </a:r>
           </a:p>
           <a:p>
@@ -16706,7 +16686,7 @@
                 <a:tab pos="8686800" algn="l"/>
               </a:tabLst>
             </a:pPr>
-            <a:endParaRPr lang="de-DE" smtClean="0"/>
+            <a:endParaRPr lang="de-DE" dirty="0" smtClean="0"/>
           </a:p>
           <a:p>
             <a:pPr marL="269875" indent="-269875" eaLnBrk="1">
@@ -16731,7 +16711,7 @@
                 <a:tab pos="8686800" algn="l"/>
               </a:tabLst>
             </a:pPr>
-            <a:endParaRPr lang="de-DE" smtClean="0"/>
+            <a:endParaRPr lang="de-DE" dirty="0" smtClean="0"/>
           </a:p>
         </p:txBody>
       </p:sp>
@@ -16918,21 +16898,8 @@
                   <a:srgbClr val="FFFFFF"/>
                 </a:solidFill>
               </a:rPr>
-              <a:t>Übung </a:t>
-            </a:r>
-            <a:r>
-              <a:rPr lang="de-DE" sz="4000" dirty="0" smtClean="0">
-                <a:solidFill>
-                  <a:srgbClr val="FFFFFF"/>
-                </a:solidFill>
-              </a:rPr>
-              <a:t>(Teil 6)</a:t>
-            </a:r>
-            <a:endParaRPr lang="de-DE" sz="4000" dirty="0" smtClean="0">
-              <a:solidFill>
-                <a:srgbClr val="FFFFFF"/>
-              </a:solidFill>
-            </a:endParaRPr>
+              <a:t>Übung (Teil 6)</a:t>
+            </a:r>
           </a:p>
         </p:txBody>
       </p:sp>
@@ -16976,7 +16943,7 @@
               </a:tabLst>
             </a:pPr>
             <a:r>
-              <a:rPr lang="de-DE" sz="2800" smtClean="0"/>
+              <a:rPr lang="de-DE" sz="2800" dirty="0" smtClean="0"/>
               <a:t>Simulieren Sie zum Test ein 1000-Minuten-Rennen nach</a:t>
             </a:r>
           </a:p>
@@ -17001,7 +16968,7 @@
               </a:tabLst>
             </a:pPr>
             <a:r>
-              <a:rPr lang="de-DE" sz="2800" smtClean="0"/>
+              <a:rPr lang="de-DE" sz="2800" dirty="0" smtClean="0"/>
               <a:t>folgenden Regeln:</a:t>
             </a:r>
           </a:p>
@@ -17028,7 +16995,7 @@
                 <a:tab pos="8686800" algn="l"/>
               </a:tabLst>
             </a:pPr>
-            <a:endParaRPr lang="de-DE" sz="2800" smtClean="0"/>
+            <a:endParaRPr lang="de-DE" sz="2800" dirty="0" smtClean="0"/>
           </a:p>
           <a:p>
             <a:pPr marL="269875" indent="-269875" eaLnBrk="1">
@@ -17054,7 +17021,7 @@
               </a:tabLst>
             </a:pPr>
             <a:r>
-              <a:rPr lang="de-DE" sz="2800" smtClean="0"/>
+              <a:rPr lang="de-DE" sz="2800" dirty="0" smtClean="0"/>
               <a:t>Es sollen 5 Autos und 4 Fahrer teilnehmen. Zu Beginn werden die Fahrer den Autos zufällig zugewiesen.</a:t>
             </a:r>
           </a:p>
@@ -17082,7 +17049,7 @@
               </a:tabLst>
             </a:pPr>
             <a:r>
-              <a:rPr lang="de-DE" sz="2800" smtClean="0"/>
+              <a:rPr lang="de-DE" sz="2800" dirty="0" smtClean="0"/>
               <a:t>Jede Minute wird neu entschieden, ob gefahren wird, getankt wird oder die Reifen gewechselt werden (treffen Sie die Entscheidung möglichst optimal).</a:t>
             </a:r>
           </a:p>
@@ -17110,7 +17077,7 @@
               </a:tabLst>
             </a:pPr>
             <a:r>
-              <a:rPr lang="de-DE" sz="2800" smtClean="0"/>
+              <a:rPr lang="de-DE" sz="2800" dirty="0" smtClean="0"/>
               <a:t>Wenn gefahren wird, ist die zurückgelegte Strecke zufällig zwischen 3 und 4 zu ermitteln.</a:t>
             </a:r>
           </a:p>
@@ -17138,7 +17105,7 @@
               </a:tabLst>
             </a:pPr>
             <a:r>
-              <a:rPr lang="de-DE" sz="2800" smtClean="0"/>
+              <a:rPr lang="de-DE" sz="2800" dirty="0" smtClean="0"/>
               <a:t>Alle 10 Minuten wechselt ein zufälliger Fahrer in das leere Auto und lässt das alte leer stehen.</a:t>
             </a:r>
           </a:p>
@@ -17165,7 +17132,7 @@
                 <a:tab pos="8686800" algn="l"/>
               </a:tabLst>
             </a:pPr>
-            <a:endParaRPr lang="de-DE" smtClean="0"/>
+            <a:endParaRPr lang="de-DE" dirty="0" smtClean="0"/>
           </a:p>
           <a:p>
             <a:pPr marL="269875" indent="-269875" eaLnBrk="1">
@@ -17190,7 +17157,7 @@
                 <a:tab pos="8686800" algn="l"/>
               </a:tabLst>
             </a:pPr>
-            <a:endParaRPr lang="de-DE" smtClean="0"/>
+            <a:endParaRPr lang="de-DE" dirty="0" smtClean="0"/>
           </a:p>
         </p:txBody>
       </p:sp>

--- a/folien/Semester_03_Termin_07_Kapitel06.pptx
+++ b/folien/Semester_03_Termin_07_Kapitel06.pptx
@@ -210,7 +210,7 @@
   </p:defaultTextStyle>
   <p:extLst>
     <p:ext uri="{EFAFB233-063F-42B5-8137-9DF3F51BA10A}">
-      <p15:sldGuideLst xmlns:p15="http://schemas.microsoft.com/office/powerpoint/2012/main" xmlns="">
+      <p15:sldGuideLst xmlns:p15="http://schemas.microsoft.com/office/powerpoint/2012/main">
         <p15:guide id="1" orient="horz" pos="2160">
           <p15:clr>
             <a:srgbClr val="A4A3A4"/>
@@ -224,7 +224,7 @@
       </p15:sldGuideLst>
     </p:ext>
     <p:ext uri="{2D200454-40CA-4A62-9FC3-DE9A4176ACB9}">
-      <p15:notesGuideLst xmlns:p15="http://schemas.microsoft.com/office/powerpoint/2012/main" xmlns="">
+      <p15:notesGuideLst xmlns:p15="http://schemas.microsoft.com/office/powerpoint/2012/main">
         <p15:guide id="1" orient="horz" pos="2880">
           <p15:clr>
             <a:srgbClr val="A4A3A4"/>
@@ -583,7 +583,7 @@
     </p:spTree>
     <p:extLst>
       <p:ext uri="{BB962C8B-B14F-4D97-AF65-F5344CB8AC3E}">
-        <p14:creationId xmlns:p14="http://schemas.microsoft.com/office/powerpoint/2010/main" xmlns="" val="2679869077"/>
+        <p14:creationId xmlns:p14="http://schemas.microsoft.com/office/powerpoint/2010/main" val="2679869077"/>
       </p:ext>
     </p:extLst>
   </p:cSld>
@@ -844,7 +844,7 @@
     </p:spTree>
     <p:extLst>
       <p:ext uri="{BB962C8B-B14F-4D97-AF65-F5344CB8AC3E}">
-        <p14:creationId xmlns:p14="http://schemas.microsoft.com/office/powerpoint/2010/main" xmlns="" val="1184811386"/>
+        <p14:creationId xmlns:p14="http://schemas.microsoft.com/office/powerpoint/2010/main" val="1184811386"/>
       </p:ext>
     </p:extLst>
   </p:cSld>
@@ -960,7 +960,7 @@
     </p:spTree>
     <p:extLst>
       <p:ext uri="{BB962C8B-B14F-4D97-AF65-F5344CB8AC3E}">
-        <p14:creationId xmlns:p14="http://schemas.microsoft.com/office/powerpoint/2010/main" xmlns="" val="2288369520"/>
+        <p14:creationId xmlns:p14="http://schemas.microsoft.com/office/powerpoint/2010/main" val="2288369520"/>
       </p:ext>
     </p:extLst>
   </p:cSld>
@@ -1076,7 +1076,7 @@
     </p:spTree>
     <p:extLst>
       <p:ext uri="{BB962C8B-B14F-4D97-AF65-F5344CB8AC3E}">
-        <p14:creationId xmlns:p14="http://schemas.microsoft.com/office/powerpoint/2010/main" xmlns="" val="4112265238"/>
+        <p14:creationId xmlns:p14="http://schemas.microsoft.com/office/powerpoint/2010/main" val="4112265238"/>
       </p:ext>
     </p:extLst>
   </p:cSld>
@@ -1192,7 +1192,7 @@
     </p:spTree>
     <p:extLst>
       <p:ext uri="{BB962C8B-B14F-4D97-AF65-F5344CB8AC3E}">
-        <p14:creationId xmlns:p14="http://schemas.microsoft.com/office/powerpoint/2010/main" xmlns="" val="1838956922"/>
+        <p14:creationId xmlns:p14="http://schemas.microsoft.com/office/powerpoint/2010/main" val="1838956922"/>
       </p:ext>
     </p:extLst>
   </p:cSld>
@@ -1308,7 +1308,7 @@
     </p:spTree>
     <p:extLst>
       <p:ext uri="{BB962C8B-B14F-4D97-AF65-F5344CB8AC3E}">
-        <p14:creationId xmlns:p14="http://schemas.microsoft.com/office/powerpoint/2010/main" xmlns="" val="3052089838"/>
+        <p14:creationId xmlns:p14="http://schemas.microsoft.com/office/powerpoint/2010/main" val="3052089838"/>
       </p:ext>
     </p:extLst>
   </p:cSld>
@@ -1424,7 +1424,7 @@
     </p:spTree>
     <p:extLst>
       <p:ext uri="{BB962C8B-B14F-4D97-AF65-F5344CB8AC3E}">
-        <p14:creationId xmlns:p14="http://schemas.microsoft.com/office/powerpoint/2010/main" xmlns="" val="1864467121"/>
+        <p14:creationId xmlns:p14="http://schemas.microsoft.com/office/powerpoint/2010/main" val="1864467121"/>
       </p:ext>
     </p:extLst>
   </p:cSld>
@@ -1540,7 +1540,7 @@
     </p:spTree>
     <p:extLst>
       <p:ext uri="{BB962C8B-B14F-4D97-AF65-F5344CB8AC3E}">
-        <p14:creationId xmlns:p14="http://schemas.microsoft.com/office/powerpoint/2010/main" xmlns="" val="2026216717"/>
+        <p14:creationId xmlns:p14="http://schemas.microsoft.com/office/powerpoint/2010/main" val="2026216717"/>
       </p:ext>
     </p:extLst>
   </p:cSld>
@@ -1656,7 +1656,7 @@
     </p:spTree>
     <p:extLst>
       <p:ext uri="{BB962C8B-B14F-4D97-AF65-F5344CB8AC3E}">
-        <p14:creationId xmlns:p14="http://schemas.microsoft.com/office/powerpoint/2010/main" xmlns="" val="3242079448"/>
+        <p14:creationId xmlns:p14="http://schemas.microsoft.com/office/powerpoint/2010/main" val="3242079448"/>
       </p:ext>
     </p:extLst>
   </p:cSld>
@@ -1772,7 +1772,7 @@
     </p:spTree>
     <p:extLst>
       <p:ext uri="{BB962C8B-B14F-4D97-AF65-F5344CB8AC3E}">
-        <p14:creationId xmlns:p14="http://schemas.microsoft.com/office/powerpoint/2010/main" xmlns="" val="1652189911"/>
+        <p14:creationId xmlns:p14="http://schemas.microsoft.com/office/powerpoint/2010/main" val="1652189911"/>
       </p:ext>
     </p:extLst>
   </p:cSld>
@@ -1888,7 +1888,7 @@
     </p:spTree>
     <p:extLst>
       <p:ext uri="{BB962C8B-B14F-4D97-AF65-F5344CB8AC3E}">
-        <p14:creationId xmlns:p14="http://schemas.microsoft.com/office/powerpoint/2010/main" xmlns="" val="3692910596"/>
+        <p14:creationId xmlns:p14="http://schemas.microsoft.com/office/powerpoint/2010/main" val="3692910596"/>
       </p:ext>
     </p:extLst>
   </p:cSld>
@@ -2004,7 +2004,7 @@
     </p:spTree>
     <p:extLst>
       <p:ext uri="{BB962C8B-B14F-4D97-AF65-F5344CB8AC3E}">
-        <p14:creationId xmlns:p14="http://schemas.microsoft.com/office/powerpoint/2010/main" xmlns="" val="243126530"/>
+        <p14:creationId xmlns:p14="http://schemas.microsoft.com/office/powerpoint/2010/main" val="243126530"/>
       </p:ext>
     </p:extLst>
   </p:cSld>
@@ -2120,7 +2120,7 @@
     </p:spTree>
     <p:extLst>
       <p:ext uri="{BB962C8B-B14F-4D97-AF65-F5344CB8AC3E}">
-        <p14:creationId xmlns:p14="http://schemas.microsoft.com/office/powerpoint/2010/main" xmlns="" val="2186386724"/>
+        <p14:creationId xmlns:p14="http://schemas.microsoft.com/office/powerpoint/2010/main" val="2186386724"/>
       </p:ext>
     </p:extLst>
   </p:cSld>
@@ -2236,7 +2236,7 @@
     </p:spTree>
     <p:extLst>
       <p:ext uri="{BB962C8B-B14F-4D97-AF65-F5344CB8AC3E}">
-        <p14:creationId xmlns:p14="http://schemas.microsoft.com/office/powerpoint/2010/main" xmlns="" val="1233209275"/>
+        <p14:creationId xmlns:p14="http://schemas.microsoft.com/office/powerpoint/2010/main" val="1233209275"/>
       </p:ext>
     </p:extLst>
   </p:cSld>
@@ -2352,7 +2352,7 @@
     </p:spTree>
     <p:extLst>
       <p:ext uri="{BB962C8B-B14F-4D97-AF65-F5344CB8AC3E}">
-        <p14:creationId xmlns:p14="http://schemas.microsoft.com/office/powerpoint/2010/main" xmlns="" val="1659479035"/>
+        <p14:creationId xmlns:p14="http://schemas.microsoft.com/office/powerpoint/2010/main" val="1659479035"/>
       </p:ext>
     </p:extLst>
   </p:cSld>
@@ -2468,7 +2468,7 @@
     </p:spTree>
     <p:extLst>
       <p:ext uri="{BB962C8B-B14F-4D97-AF65-F5344CB8AC3E}">
-        <p14:creationId xmlns:p14="http://schemas.microsoft.com/office/powerpoint/2010/main" xmlns="" val="2363686062"/>
+        <p14:creationId xmlns:p14="http://schemas.microsoft.com/office/powerpoint/2010/main" val="2363686062"/>
       </p:ext>
     </p:extLst>
   </p:cSld>
@@ -2584,7 +2584,7 @@
     </p:spTree>
     <p:extLst>
       <p:ext uri="{BB962C8B-B14F-4D97-AF65-F5344CB8AC3E}">
-        <p14:creationId xmlns:p14="http://schemas.microsoft.com/office/powerpoint/2010/main" xmlns="" val="3775277122"/>
+        <p14:creationId xmlns:p14="http://schemas.microsoft.com/office/powerpoint/2010/main" val="3775277122"/>
       </p:ext>
     </p:extLst>
   </p:cSld>
@@ -2700,7 +2700,7 @@
     </p:spTree>
     <p:extLst>
       <p:ext uri="{BB962C8B-B14F-4D97-AF65-F5344CB8AC3E}">
-        <p14:creationId xmlns:p14="http://schemas.microsoft.com/office/powerpoint/2010/main" xmlns="" val="487444190"/>
+        <p14:creationId xmlns:p14="http://schemas.microsoft.com/office/powerpoint/2010/main" val="487444190"/>
       </p:ext>
     </p:extLst>
   </p:cSld>
@@ -2816,7 +2816,7 @@
     </p:spTree>
     <p:extLst>
       <p:ext uri="{BB962C8B-B14F-4D97-AF65-F5344CB8AC3E}">
-        <p14:creationId xmlns:p14="http://schemas.microsoft.com/office/powerpoint/2010/main" xmlns="" val="3064408142"/>
+        <p14:creationId xmlns:p14="http://schemas.microsoft.com/office/powerpoint/2010/main" val="3064408142"/>
       </p:ext>
     </p:extLst>
   </p:cSld>
@@ -2932,7 +2932,7 @@
     </p:spTree>
     <p:extLst>
       <p:ext uri="{BB962C8B-B14F-4D97-AF65-F5344CB8AC3E}">
-        <p14:creationId xmlns:p14="http://schemas.microsoft.com/office/powerpoint/2010/main" xmlns="" val="2092233294"/>
+        <p14:creationId xmlns:p14="http://schemas.microsoft.com/office/powerpoint/2010/main" val="2092233294"/>
       </p:ext>
     </p:extLst>
   </p:cSld>
@@ -3048,7 +3048,7 @@
     </p:spTree>
     <p:extLst>
       <p:ext uri="{BB962C8B-B14F-4D97-AF65-F5344CB8AC3E}">
-        <p14:creationId xmlns:p14="http://schemas.microsoft.com/office/powerpoint/2010/main" xmlns="" val="3027527447"/>
+        <p14:creationId xmlns:p14="http://schemas.microsoft.com/office/powerpoint/2010/main" val="3027527447"/>
       </p:ext>
     </p:extLst>
   </p:cSld>
@@ -3164,7 +3164,7 @@
     </p:spTree>
     <p:extLst>
       <p:ext uri="{BB962C8B-B14F-4D97-AF65-F5344CB8AC3E}">
-        <p14:creationId xmlns:p14="http://schemas.microsoft.com/office/powerpoint/2010/main" xmlns="" val="62896525"/>
+        <p14:creationId xmlns:p14="http://schemas.microsoft.com/office/powerpoint/2010/main" val="62896525"/>
       </p:ext>
     </p:extLst>
   </p:cSld>
@@ -3280,7 +3280,7 @@
     </p:spTree>
     <p:extLst>
       <p:ext uri="{BB962C8B-B14F-4D97-AF65-F5344CB8AC3E}">
-        <p14:creationId xmlns:p14="http://schemas.microsoft.com/office/powerpoint/2010/main" xmlns="" val="2735305892"/>
+        <p14:creationId xmlns:p14="http://schemas.microsoft.com/office/powerpoint/2010/main" val="2735305892"/>
       </p:ext>
     </p:extLst>
   </p:cSld>
@@ -3396,7 +3396,7 @@
     </p:spTree>
     <p:extLst>
       <p:ext uri="{BB962C8B-B14F-4D97-AF65-F5344CB8AC3E}">
-        <p14:creationId xmlns:p14="http://schemas.microsoft.com/office/powerpoint/2010/main" xmlns="" val="2117573468"/>
+        <p14:creationId xmlns:p14="http://schemas.microsoft.com/office/powerpoint/2010/main" val="2117573468"/>
       </p:ext>
     </p:extLst>
   </p:cSld>
@@ -3512,7 +3512,7 @@
     </p:spTree>
     <p:extLst>
       <p:ext uri="{BB962C8B-B14F-4D97-AF65-F5344CB8AC3E}">
-        <p14:creationId xmlns:p14="http://schemas.microsoft.com/office/powerpoint/2010/main" xmlns="" val="1096248821"/>
+        <p14:creationId xmlns:p14="http://schemas.microsoft.com/office/powerpoint/2010/main" val="1096248821"/>
       </p:ext>
     </p:extLst>
   </p:cSld>
@@ -3628,7 +3628,7 @@
     </p:spTree>
     <p:extLst>
       <p:ext uri="{BB962C8B-B14F-4D97-AF65-F5344CB8AC3E}">
-        <p14:creationId xmlns:p14="http://schemas.microsoft.com/office/powerpoint/2010/main" xmlns="" val="3712001571"/>
+        <p14:creationId xmlns:p14="http://schemas.microsoft.com/office/powerpoint/2010/main" val="3712001571"/>
       </p:ext>
     </p:extLst>
   </p:cSld>
@@ -3744,7 +3744,7 @@
     </p:spTree>
     <p:extLst>
       <p:ext uri="{BB962C8B-B14F-4D97-AF65-F5344CB8AC3E}">
-        <p14:creationId xmlns:p14="http://schemas.microsoft.com/office/powerpoint/2010/main" xmlns="" val="2843121260"/>
+        <p14:creationId xmlns:p14="http://schemas.microsoft.com/office/powerpoint/2010/main" val="2843121260"/>
       </p:ext>
     </p:extLst>
   </p:cSld>
@@ -3860,7 +3860,7 @@
     </p:spTree>
     <p:extLst>
       <p:ext uri="{BB962C8B-B14F-4D97-AF65-F5344CB8AC3E}">
-        <p14:creationId xmlns:p14="http://schemas.microsoft.com/office/powerpoint/2010/main" xmlns="" val="2186386724"/>
+        <p14:creationId xmlns:p14="http://schemas.microsoft.com/office/powerpoint/2010/main" val="2186386724"/>
       </p:ext>
     </p:extLst>
   </p:cSld>
@@ -3976,7 +3976,7 @@
     </p:spTree>
     <p:extLst>
       <p:ext uri="{BB962C8B-B14F-4D97-AF65-F5344CB8AC3E}">
-        <p14:creationId xmlns:p14="http://schemas.microsoft.com/office/powerpoint/2010/main" xmlns="" val="8306688"/>
+        <p14:creationId xmlns:p14="http://schemas.microsoft.com/office/powerpoint/2010/main" val="8306688"/>
       </p:ext>
     </p:extLst>
   </p:cSld>
@@ -4092,7 +4092,7 @@
     </p:spTree>
     <p:extLst>
       <p:ext uri="{BB962C8B-B14F-4D97-AF65-F5344CB8AC3E}">
-        <p14:creationId xmlns:p14="http://schemas.microsoft.com/office/powerpoint/2010/main" xmlns="" val="1774208858"/>
+        <p14:creationId xmlns:p14="http://schemas.microsoft.com/office/powerpoint/2010/main" val="1774208858"/>
       </p:ext>
     </p:extLst>
   </p:cSld>
@@ -4208,7 +4208,7 @@
     </p:spTree>
     <p:extLst>
       <p:ext uri="{BB962C8B-B14F-4D97-AF65-F5344CB8AC3E}">
-        <p14:creationId xmlns:p14="http://schemas.microsoft.com/office/powerpoint/2010/main" xmlns="" val="4139664514"/>
+        <p14:creationId xmlns:p14="http://schemas.microsoft.com/office/powerpoint/2010/main" val="4139664514"/>
       </p:ext>
     </p:extLst>
   </p:cSld>
@@ -4324,7 +4324,7 @@
     </p:spTree>
     <p:extLst>
       <p:ext uri="{BB962C8B-B14F-4D97-AF65-F5344CB8AC3E}">
-        <p14:creationId xmlns:p14="http://schemas.microsoft.com/office/powerpoint/2010/main" xmlns="" val="2775095457"/>
+        <p14:creationId xmlns:p14="http://schemas.microsoft.com/office/powerpoint/2010/main" val="2775095457"/>
       </p:ext>
     </p:extLst>
   </p:cSld>
@@ -4440,7 +4440,7 @@
     </p:spTree>
     <p:extLst>
       <p:ext uri="{BB962C8B-B14F-4D97-AF65-F5344CB8AC3E}">
-        <p14:creationId xmlns:p14="http://schemas.microsoft.com/office/powerpoint/2010/main" xmlns="" val="636295771"/>
+        <p14:creationId xmlns:p14="http://schemas.microsoft.com/office/powerpoint/2010/main" val="636295771"/>
       </p:ext>
     </p:extLst>
   </p:cSld>
@@ -12118,33 +12118,41 @@
               </a:tabLst>
             </a:pPr>
             <a:r>
-              <a:rPr lang="de-DE" sz="2600" smtClean="0"/>
-              <a:t>In Java gibt es das spezielle Literal </a:t>
-            </a:r>
-            <a:r>
-              <a:rPr lang="de-DE" sz="2600" smtClean="0">
+              <a:rPr lang="de-DE" sz="2600" dirty="0" smtClean="0"/>
+              <a:t>In Java gibt es das spezielle </a:t>
+            </a:r>
+            <a:r>
+              <a:rPr lang="de-DE" sz="2600" dirty="0" err="1" smtClean="0"/>
+              <a:t>Literal</a:t>
+            </a:r>
+            <a:r>
+              <a:rPr lang="de-DE" sz="2600" dirty="0" smtClean="0"/>
+              <a:t> </a:t>
+            </a:r>
+            <a:r>
+              <a:rPr lang="de-DE" sz="2600" dirty="0" smtClean="0">
                 <a:latin typeface="Courier New" pitchFamily="49" charset="0"/>
               </a:rPr>
               <a:t>null</a:t>
             </a:r>
             <a:r>
-              <a:rPr lang="de-DE" sz="2600" smtClean="0"/>
+              <a:rPr lang="de-DE" sz="2600" dirty="0" smtClean="0"/>
               <a:t>, das anzeigt, dass eine Referenzvariable auf kein Objekt verweist. Der Wert ist nur für Referenzen vorgesehen und kann in keinen primitiven Typ wie die Ganzzahl </a:t>
             </a:r>
             <a:r>
-              <a:rPr lang="de-DE" sz="2600" smtClean="0">
+              <a:rPr lang="de-DE" sz="2600" dirty="0" smtClean="0">
                 <a:latin typeface="Courier New" pitchFamily="49" charset="0"/>
               </a:rPr>
               <a:t>0</a:t>
             </a:r>
             <a:r>
-              <a:rPr lang="de-DE" sz="2600" smtClean="0"/>
+              <a:rPr lang="de-DE" sz="2600" dirty="0" smtClean="0"/>
               <a:t> umgewandelt werden.</a:t>
             </a:r>
             <a:br>
-              <a:rPr lang="de-DE" sz="2600" smtClean="0"/>
+              <a:rPr lang="de-DE" sz="2600" dirty="0" smtClean="0"/>
             </a:br>
-            <a:endParaRPr lang="de-DE" sz="2600" smtClean="0"/>
+            <a:endParaRPr lang="de-DE" sz="2600" dirty="0" smtClean="0"/>
           </a:p>
           <a:p>
             <a:pPr marL="269875" indent="-269875" eaLnBrk="1">
@@ -12170,46 +12178,66 @@
               </a:tabLst>
             </a:pPr>
             <a:r>
-              <a:rPr lang="de-DE" sz="2600" smtClean="0"/>
-              <a:t>Die null-Referenz ist typenlos, das heißt, sie kann jedem Objekt zugewiesen und jeder Funktion übergeben werden, die ein Objekt erwartet – Beispiele:</a:t>
+              <a:rPr lang="de-DE" sz="2600" dirty="0" smtClean="0"/>
+              <a:t>Die null-Referenz ist </a:t>
+            </a:r>
+            <a:r>
+              <a:rPr lang="de-DE" sz="2600" dirty="0" err="1" smtClean="0"/>
+              <a:t>typenlos</a:t>
+            </a:r>
+            <a:r>
+              <a:rPr lang="de-DE" sz="2600" dirty="0" smtClean="0"/>
+              <a:t>, das heißt, sie kann jedem Objekt zugewiesen und jeder Funktion übergeben werden, die ein Objekt erwartet – Beispiele:</a:t>
             </a:r>
             <a:br>
-              <a:rPr lang="de-DE" sz="2600" smtClean="0"/>
+              <a:rPr lang="de-DE" sz="2600" dirty="0" smtClean="0"/>
             </a:br>
             <a:r>
-              <a:rPr lang="de-DE" sz="2600" smtClean="0"/>
+              <a:rPr lang="de-DE" sz="2600" dirty="0" smtClean="0"/>
               <a:t/>
             </a:r>
             <a:br>
-              <a:rPr lang="de-DE" sz="2600" smtClean="0"/>
+              <a:rPr lang="de-DE" sz="2600" dirty="0" smtClean="0"/>
             </a:br>
             <a:r>
-              <a:rPr lang="de-DE" sz="2600" smtClean="0">
+              <a:rPr lang="de-DE" sz="2600" dirty="0" smtClean="0">
                 <a:latin typeface="Courier New" pitchFamily="49" charset="0"/>
               </a:rPr>
-              <a:t>Point  p = null;</a:t>
+              <a:t>Auto a </a:t>
+            </a:r>
+            <a:r>
+              <a:rPr lang="de-DE" sz="2600" dirty="0" smtClean="0">
+                <a:latin typeface="Courier New" pitchFamily="49" charset="0"/>
+              </a:rPr>
+              <a:t>= null;</a:t>
             </a:r>
             <a:br>
-              <a:rPr lang="de-DE" sz="2600" smtClean="0">
+              <a:rPr lang="de-DE" sz="2600" dirty="0" smtClean="0">
                 <a:latin typeface="Courier New" pitchFamily="49" charset="0"/>
               </a:rPr>
             </a:br>
             <a:r>
-              <a:rPr lang="de-DE" sz="2600" smtClean="0">
+              <a:rPr lang="de-DE" sz="2600" dirty="0" smtClean="0">
                 <a:latin typeface="Courier New" pitchFamily="49" charset="0"/>
               </a:rPr>
               <a:t>String s = null;</a:t>
             </a:r>
             <a:br>
-              <a:rPr lang="de-DE" sz="2600" smtClean="0">
+              <a:rPr lang="de-DE" sz="2600" dirty="0" smtClean="0">
                 <a:latin typeface="Courier New" pitchFamily="49" charset="0"/>
               </a:rPr>
             </a:br>
             <a:r>
-              <a:rPr lang="de-DE" sz="2600" smtClean="0">
+              <a:rPr lang="de-DE" sz="2600" dirty="0" err="1" smtClean="0">
                 <a:latin typeface="Courier New" pitchFamily="49" charset="0"/>
               </a:rPr>
-              <a:t>System.out.println( null );</a:t>
+              <a:t>System.out.println</a:t>
+            </a:r>
+            <a:r>
+              <a:rPr lang="de-DE" sz="2600" dirty="0" smtClean="0">
+                <a:latin typeface="Courier New" pitchFamily="49" charset="0"/>
+              </a:rPr>
+              <a:t>( null );</a:t>
             </a:r>
           </a:p>
           <a:p>
@@ -12238,7 +12266,7 @@
                 <a:tab pos="8686800" algn="l"/>
               </a:tabLst>
             </a:pPr>
-            <a:endParaRPr lang="de-DE" sz="2800" smtClean="0">
+            <a:endParaRPr lang="de-DE" sz="2800" dirty="0" smtClean="0">
               <a:latin typeface="Courier New" pitchFamily="49" charset="0"/>
             </a:endParaRPr>
           </a:p>
@@ -12265,7 +12293,7 @@
                 <a:tab pos="8686800" algn="l"/>
               </a:tabLst>
             </a:pPr>
-            <a:endParaRPr lang="de-DE" smtClean="0"/>
+            <a:endParaRPr lang="de-DE" dirty="0" smtClean="0"/>
           </a:p>
           <a:p>
             <a:pPr marL="269875" indent="-269875" eaLnBrk="1">
@@ -12290,7 +12318,7 @@
                 <a:tab pos="8686800" algn="l"/>
               </a:tabLst>
             </a:pPr>
-            <a:endParaRPr lang="de-DE" smtClean="0"/>
+            <a:endParaRPr lang="de-DE" dirty="0" smtClean="0"/>
           </a:p>
         </p:txBody>
       </p:sp>
@@ -12525,43 +12553,49 @@
               </a:tabLst>
             </a:pPr>
             <a:r>
-              <a:rPr lang="de-DE" sz="2800" smtClean="0"/>
+              <a:rPr lang="de-DE" sz="2800" dirty="0" smtClean="0"/>
               <a:t>Da es nur ein </a:t>
             </a:r>
             <a:r>
-              <a:rPr lang="de-DE" sz="2800" smtClean="0">
+              <a:rPr lang="de-DE" sz="2800" dirty="0" smtClean="0">
                 <a:latin typeface="Courier New" pitchFamily="49" charset="0"/>
               </a:rPr>
               <a:t>null</a:t>
             </a:r>
             <a:r>
-              <a:rPr lang="de-DE" sz="2800" smtClean="0"/>
+              <a:rPr lang="de-DE" sz="2800" dirty="0" smtClean="0"/>
               <a:t> gibt, gilt zum Beispiel</a:t>
             </a:r>
             <a:br>
-              <a:rPr lang="de-DE" sz="2800" smtClean="0"/>
+              <a:rPr lang="de-DE" sz="2800" dirty="0" smtClean="0"/>
             </a:br>
             <a:r>
-              <a:rPr lang="de-DE" sz="2800" smtClean="0"/>
+              <a:rPr lang="de-DE" sz="2800" dirty="0" smtClean="0"/>
               <a:t/>
             </a:r>
             <a:br>
-              <a:rPr lang="de-DE" sz="2800" smtClean="0"/>
+              <a:rPr lang="de-DE" sz="2800" dirty="0" smtClean="0"/>
             </a:br>
             <a:r>
-              <a:rPr lang="de-DE" sz="2800" smtClean="0">
+              <a:rPr lang="de-DE" sz="2800" dirty="0" smtClean="0">
                 <a:latin typeface="Courier New" pitchFamily="49" charset="0"/>
               </a:rPr>
-              <a:t>(Point) null == (String) null</a:t>
-            </a:r>
-            <a:r>
-              <a:rPr lang="de-DE" sz="2800" smtClean="0"/>
+              <a:t>(Auto) </a:t>
+            </a:r>
+            <a:r>
+              <a:rPr lang="de-DE" sz="2800" dirty="0" smtClean="0">
+                <a:latin typeface="Courier New" pitchFamily="49" charset="0"/>
+              </a:rPr>
+              <a:t>null == (String) null</a:t>
+            </a:r>
+            <a:r>
+              <a:rPr lang="de-DE" sz="2800" dirty="0" smtClean="0"/>
               <a:t/>
             </a:r>
             <a:br>
-              <a:rPr lang="de-DE" sz="2800" smtClean="0"/>
+              <a:rPr lang="de-DE" sz="2800" dirty="0" smtClean="0"/>
             </a:br>
-            <a:endParaRPr lang="de-DE" sz="2800" smtClean="0"/>
+            <a:endParaRPr lang="de-DE" sz="2800" dirty="0" smtClean="0"/>
           </a:p>
           <a:p>
             <a:pPr marL="269875" indent="-269875" eaLnBrk="1">
@@ -12587,8 +12621,16 @@
               </a:tabLst>
             </a:pPr>
             <a:r>
-              <a:rPr lang="de-DE" sz="2800" smtClean="0"/>
-              <a:t>Der Haupteinsatz sieht vor, damit uninitialisierte Referenzvariablen zu kennzeichnen.</a:t>
+              <a:rPr lang="de-DE" sz="2800" dirty="0" smtClean="0"/>
+              <a:t>Der Haupteinsatz sieht vor, damit </a:t>
+            </a:r>
+            <a:r>
+              <a:rPr lang="de-DE" sz="2800" dirty="0" err="1" smtClean="0"/>
+              <a:t>uninitialisierte</a:t>
+            </a:r>
+            <a:r>
+              <a:rPr lang="de-DE" sz="2800" dirty="0" smtClean="0"/>
+              <a:t> Referenzvariablen zu kennzeichnen.</a:t>
             </a:r>
           </a:p>
           <a:p>
@@ -12614,7 +12656,7 @@
                 <a:tab pos="8686800" algn="l"/>
               </a:tabLst>
             </a:pPr>
-            <a:endParaRPr lang="de-DE" smtClean="0"/>
+            <a:endParaRPr lang="de-DE" dirty="0" smtClean="0"/>
           </a:p>
           <a:p>
             <a:pPr marL="269875" indent="-269875" eaLnBrk="1">
@@ -12639,7 +12681,7 @@
                 <a:tab pos="8686800" algn="l"/>
               </a:tabLst>
             </a:pPr>
-            <a:endParaRPr lang="de-DE" smtClean="0"/>
+            <a:endParaRPr lang="de-DE" dirty="0" smtClean="0"/>
           </a:p>
         </p:txBody>
       </p:sp>
@@ -13207,11 +13249,6 @@
               </a:rPr>
               <a:t>-Kommandozeile</a:t>
             </a:r>
-            <a:endParaRPr lang="de-DE" sz="4000" dirty="0" smtClean="0">
-              <a:solidFill>
-                <a:srgbClr val="FFFFFF"/>
-              </a:solidFill>
-            </a:endParaRPr>
           </a:p>
         </p:txBody>
       </p:sp>
@@ -13327,11 +13364,7 @@
             </a:pPr>
             <a:r>
               <a:rPr lang="de-DE" sz="2600" dirty="0" smtClean="0"/>
-              <a:t>In Zusammenarbeit </a:t>
-            </a:r>
-            <a:r>
-              <a:rPr lang="de-DE" sz="2600" dirty="0" smtClean="0"/>
-              <a:t>mit CodeSchool </a:t>
+              <a:t>In Zusammenarbeit mit CodeSchool </a:t>
             </a:r>
             <a:r>
               <a:rPr lang="de-DE" sz="2000" dirty="0" smtClean="0"/>
@@ -13341,13 +13374,7 @@
               <a:rPr lang="de-DE" sz="2000" dirty="0" smtClean="0">
                 <a:hlinkClick r:id="rId3"/>
               </a:rPr>
-              <a:t>https://</a:t>
-            </a:r>
-            <a:r>
-              <a:rPr lang="de-DE" sz="2000" dirty="0" smtClean="0">
-                <a:hlinkClick r:id="rId3"/>
-              </a:rPr>
-              <a:t>www.codeschool.com</a:t>
+              <a:t>https://www.codeschool.com</a:t>
             </a:r>
             <a:r>
               <a:rPr lang="de-DE" sz="2000" dirty="0" smtClean="0"/>
@@ -13355,11 +13382,7 @@
             </a:r>
             <a:r>
               <a:rPr lang="de-DE" sz="2600" dirty="0" smtClean="0"/>
-              <a:t> </a:t>
-            </a:r>
-            <a:r>
-              <a:rPr lang="de-DE" sz="2600" dirty="0" smtClean="0"/>
-              <a:t>bietet </a:t>
+              <a:t> bietet </a:t>
             </a:r>
             <a:r>
               <a:rPr lang="de-DE" sz="2600" dirty="0" err="1" smtClean="0"/>
@@ -13384,13 +13407,7 @@
               <a:rPr lang="de-DE" sz="2600" dirty="0" smtClean="0">
                 <a:hlinkClick r:id="rId4"/>
               </a:rPr>
-              <a:t>https://</a:t>
-            </a:r>
-            <a:r>
-              <a:rPr lang="de-DE" sz="2600" dirty="0" smtClean="0">
-                <a:hlinkClick r:id="rId4"/>
-              </a:rPr>
-              <a:t>try.github.io</a:t>
+              <a:t>https://try.github.io</a:t>
             </a:r>
             <a:endParaRPr lang="de-DE" sz="2600" dirty="0" smtClean="0"/>
           </a:p>
@@ -13602,13 +13619,7 @@
               <a:rPr lang="de-DE" sz="2200" dirty="0" smtClean="0">
                 <a:hlinkClick r:id="rId5"/>
               </a:rPr>
-              <a:t>https://</a:t>
-            </a:r>
-            <a:r>
-              <a:rPr lang="de-DE" sz="2200" dirty="0" smtClean="0">
-                <a:hlinkClick r:id="rId5"/>
-              </a:rPr>
-              <a:t>training.github.com/kit/downloads/github-git-cheat-sheet.pdf</a:t>
+              <a:t>https://training.github.com/kit/downloads/github-git-cheat-sheet.pdf</a:t>
             </a:r>
             <a:endParaRPr lang="de-DE" sz="2200" dirty="0" smtClean="0"/>
           </a:p>
